--- a/Trabalho IA.pptx
+++ b/Trabalho IA.pptx
@@ -1,39 +1,39 @@
 
 <file path=ppt/presentation.xml><?xml version="1.0" encoding="utf-8"?>
-<p:presentation xmlns:a="http://schemas.openxmlformats.org/drawingml/2006/main" xmlns:r="http://schemas.openxmlformats.org/officeDocument/2006/relationships" xmlns:mc="http://schemas.openxmlformats.org/markup-compatibility/2006" xmlns:mv="urn:schemas-microsoft-com:mac:vml" xmlns:p="http://schemas.openxmlformats.org/presentationml/2006/main" xmlns:c="http://schemas.openxmlformats.org/drawingml/2006/chart" xmlns:dgm="http://schemas.openxmlformats.org/drawingml/2006/diagram" xmlns:o="urn:schemas-microsoft-com:office:office" xmlns:v="urn:schemas-microsoft-com:vml" xmlns:pvml="urn:schemas-microsoft-com:office:powerpoint" xmlns:com="http://schemas.openxmlformats.org/drawingml/2006/compatibility" xmlns:p14="http://schemas.microsoft.com/office/powerpoint/2010/main" autoCompressPictures="0" embedTrueTypeFonts="1" strictFirstAndLastChars="0" saveSubsetFonts="1">
+<p:presentation xmlns:a="http://schemas.openxmlformats.org/drawingml/2006/main" xmlns:r="http://schemas.openxmlformats.org/officeDocument/2006/relationships" xmlns:p="http://schemas.openxmlformats.org/presentationml/2006/main" strictFirstAndLastChars="0" embedTrueTypeFonts="1" saveSubsetFonts="1" autoCompressPictures="0">
   <p:sldMasterIdLst>
-    <p:sldMasterId id="2147483659" r:id="rId3"/>
+    <p:sldMasterId id="2147483659" r:id="rId1"/>
   </p:sldMasterIdLst>
   <p:notesMasterIdLst>
-    <p:notesMasterId r:id="rId4"/>
+    <p:notesMasterId r:id="rId9"/>
   </p:notesMasterIdLst>
   <p:sldIdLst>
-    <p:sldId id="256" r:id="rId5"/>
-    <p:sldId id="257" r:id="rId6"/>
-    <p:sldId id="258" r:id="rId7"/>
-    <p:sldId id="259" r:id="rId8"/>
-    <p:sldId id="260" r:id="rId9"/>
-    <p:sldId id="261" r:id="rId10"/>
-    <p:sldId id="262" r:id="rId11"/>
+    <p:sldId id="256" r:id="rId2"/>
+    <p:sldId id="257" r:id="rId3"/>
+    <p:sldId id="258" r:id="rId4"/>
+    <p:sldId id="259" r:id="rId5"/>
+    <p:sldId id="260" r:id="rId6"/>
+    <p:sldId id="261" r:id="rId7"/>
+    <p:sldId id="262" r:id="rId8"/>
   </p:sldIdLst>
-  <p:sldSz cy="5143500" cx="9144000"/>
+  <p:sldSz cx="9144000" cy="5143500" type="screen16x9"/>
   <p:notesSz cx="6858000" cy="9144000"/>
   <p:embeddedFontLst>
     <p:embeddedFont>
-      <p:font typeface="PT Sans Narrow"/>
+      <p:font typeface="PT Sans Narrow" panose="020B0604020202020204" charset="0"/>
+      <p:regular r:id="rId10"/>
+      <p:bold r:id="rId11"/>
+    </p:embeddedFont>
+    <p:embeddedFont>
+      <p:font typeface="Open Sans" panose="020B0604020202020204" charset="0"/>
       <p:regular r:id="rId12"/>
       <p:bold r:id="rId13"/>
-    </p:embeddedFont>
-    <p:embeddedFont>
-      <p:font typeface="Open Sans"/>
-      <p:regular r:id="rId14"/>
-      <p:bold r:id="rId15"/>
-      <p:italic r:id="rId16"/>
-      <p:boldItalic r:id="rId17"/>
+      <p:italic r:id="rId14"/>
+      <p:boldItalic r:id="rId15"/>
     </p:embeddedFont>
   </p:embeddedFontLst>
   <p:defaultTextStyle>
-    <a:defPPr lvl="0" marR="0" rtl="0" algn="l">
+    <a:defPPr marR="0" lvl="0" algn="l" rtl="0">
       <a:lnSpc>
         <a:spcPct val="100000"/>
       </a:lnSpc>
@@ -44,7 +44,7 @@
         <a:spcPts val="0"/>
       </a:spcAft>
     </a:defPPr>
-    <a:lvl1pPr lvl="0" marR="0" rtl="0" algn="l">
+    <a:lvl1pPr marR="0" lvl="0" algn="l" rtl="0">
       <a:lnSpc>
         <a:spcPct val="100000"/>
       </a:lnSpc>
@@ -55,7 +55,7 @@
         <a:spcPts val="0"/>
       </a:spcAft>
       <a:buNone/>
-      <a:defRPr b="0" i="0" sz="1400" u="none" cap="none" strike="noStrike">
+      <a:defRPr sz="1400" b="0" i="0" u="none" strike="noStrike" cap="none">
         <a:solidFill>
           <a:srgbClr val="000000"/>
         </a:solidFill>
@@ -65,7 +65,7 @@
         <a:sym typeface="Arial"/>
       </a:defRPr>
     </a:lvl1pPr>
-    <a:lvl2pPr lvl="1" marR="0" rtl="0" algn="l">
+    <a:lvl2pPr marR="0" lvl="1" algn="l" rtl="0">
       <a:lnSpc>
         <a:spcPct val="100000"/>
       </a:lnSpc>
@@ -76,7 +76,7 @@
         <a:spcPts val="0"/>
       </a:spcAft>
       <a:buNone/>
-      <a:defRPr b="0" i="0" sz="1400" u="none" cap="none" strike="noStrike">
+      <a:defRPr sz="1400" b="0" i="0" u="none" strike="noStrike" cap="none">
         <a:solidFill>
           <a:srgbClr val="000000"/>
         </a:solidFill>
@@ -86,7 +86,7 @@
         <a:sym typeface="Arial"/>
       </a:defRPr>
     </a:lvl2pPr>
-    <a:lvl3pPr lvl="2" marR="0" rtl="0" algn="l">
+    <a:lvl3pPr marR="0" lvl="2" algn="l" rtl="0">
       <a:lnSpc>
         <a:spcPct val="100000"/>
       </a:lnSpc>
@@ -97,7 +97,7 @@
         <a:spcPts val="0"/>
       </a:spcAft>
       <a:buNone/>
-      <a:defRPr b="0" i="0" sz="1400" u="none" cap="none" strike="noStrike">
+      <a:defRPr sz="1400" b="0" i="0" u="none" strike="noStrike" cap="none">
         <a:solidFill>
           <a:srgbClr val="000000"/>
         </a:solidFill>
@@ -107,7 +107,7 @@
         <a:sym typeface="Arial"/>
       </a:defRPr>
     </a:lvl3pPr>
-    <a:lvl4pPr lvl="3" marR="0" rtl="0" algn="l">
+    <a:lvl4pPr marR="0" lvl="3" algn="l" rtl="0">
       <a:lnSpc>
         <a:spcPct val="100000"/>
       </a:lnSpc>
@@ -118,7 +118,7 @@
         <a:spcPts val="0"/>
       </a:spcAft>
       <a:buNone/>
-      <a:defRPr b="0" i="0" sz="1400" u="none" cap="none" strike="noStrike">
+      <a:defRPr sz="1400" b="0" i="0" u="none" strike="noStrike" cap="none">
         <a:solidFill>
           <a:srgbClr val="000000"/>
         </a:solidFill>
@@ -128,7 +128,7 @@
         <a:sym typeface="Arial"/>
       </a:defRPr>
     </a:lvl4pPr>
-    <a:lvl5pPr lvl="4" marR="0" rtl="0" algn="l">
+    <a:lvl5pPr marR="0" lvl="4" algn="l" rtl="0">
       <a:lnSpc>
         <a:spcPct val="100000"/>
       </a:lnSpc>
@@ -139,7 +139,7 @@
         <a:spcPts val="0"/>
       </a:spcAft>
       <a:buNone/>
-      <a:defRPr b="0" i="0" sz="1400" u="none" cap="none" strike="noStrike">
+      <a:defRPr sz="1400" b="0" i="0" u="none" strike="noStrike" cap="none">
         <a:solidFill>
           <a:srgbClr val="000000"/>
         </a:solidFill>
@@ -149,7 +149,7 @@
         <a:sym typeface="Arial"/>
       </a:defRPr>
     </a:lvl5pPr>
-    <a:lvl6pPr lvl="5" marR="0" rtl="0" algn="l">
+    <a:lvl6pPr marR="0" lvl="5" algn="l" rtl="0">
       <a:lnSpc>
         <a:spcPct val="100000"/>
       </a:lnSpc>
@@ -160,7 +160,7 @@
         <a:spcPts val="0"/>
       </a:spcAft>
       <a:buNone/>
-      <a:defRPr b="0" i="0" sz="1400" u="none" cap="none" strike="noStrike">
+      <a:defRPr sz="1400" b="0" i="0" u="none" strike="noStrike" cap="none">
         <a:solidFill>
           <a:srgbClr val="000000"/>
         </a:solidFill>
@@ -170,7 +170,7 @@
         <a:sym typeface="Arial"/>
       </a:defRPr>
     </a:lvl6pPr>
-    <a:lvl7pPr lvl="6" marR="0" rtl="0" algn="l">
+    <a:lvl7pPr marR="0" lvl="6" algn="l" rtl="0">
       <a:lnSpc>
         <a:spcPct val="100000"/>
       </a:lnSpc>
@@ -181,7 +181,7 @@
         <a:spcPts val="0"/>
       </a:spcAft>
       <a:buNone/>
-      <a:defRPr b="0" i="0" sz="1400" u="none" cap="none" strike="noStrike">
+      <a:defRPr sz="1400" b="0" i="0" u="none" strike="noStrike" cap="none">
         <a:solidFill>
           <a:srgbClr val="000000"/>
         </a:solidFill>
@@ -191,7 +191,7 @@
         <a:sym typeface="Arial"/>
       </a:defRPr>
     </a:lvl7pPr>
-    <a:lvl8pPr lvl="7" marR="0" rtl="0" algn="l">
+    <a:lvl8pPr marR="0" lvl="7" algn="l" rtl="0">
       <a:lnSpc>
         <a:spcPct val="100000"/>
       </a:lnSpc>
@@ -202,7 +202,7 @@
         <a:spcPts val="0"/>
       </a:spcAft>
       <a:buNone/>
-      <a:defRPr b="0" i="0" sz="1400" u="none" cap="none" strike="noStrike">
+      <a:defRPr sz="1400" b="0" i="0" u="none" strike="noStrike" cap="none">
         <a:solidFill>
           <a:srgbClr val="000000"/>
         </a:solidFill>
@@ -212,7 +212,7 @@
         <a:sym typeface="Arial"/>
       </a:defRPr>
     </a:lvl8pPr>
-    <a:lvl9pPr lvl="8" marR="0" rtl="0" algn="l">
+    <a:lvl9pPr marR="0" lvl="8" algn="l" rtl="0">
       <a:lnSpc>
         <a:spcPct val="100000"/>
       </a:lnSpc>
@@ -223,7 +223,7 @@
         <a:spcPts val="0"/>
       </a:spcAft>
       <a:buNone/>
-      <a:defRPr b="0" i="0" sz="1400" u="none" cap="none" strike="noStrike">
+      <a:defRPr sz="1400" b="0" i="0" u="none" strike="noStrike" cap="none">
         <a:solidFill>
           <a:srgbClr val="000000"/>
         </a:solidFill>
@@ -238,11 +238,16 @@
 </file>
 
 <file path=ppt/notesMasters/notesMaster1.xml><?xml version="1.0" encoding="utf-8"?>
-<p:notesMaster xmlns:a="http://schemas.openxmlformats.org/drawingml/2006/main" xmlns:r="http://schemas.openxmlformats.org/officeDocument/2006/relationships" xmlns:mc="http://schemas.openxmlformats.org/markup-compatibility/2006" xmlns:mv="urn:schemas-microsoft-com:mac:vml" xmlns:p="http://schemas.openxmlformats.org/presentationml/2006/main" xmlns:c="http://schemas.openxmlformats.org/drawingml/2006/chart" xmlns:dgm="http://schemas.openxmlformats.org/drawingml/2006/diagram" xmlns:o="urn:schemas-microsoft-com:office:office" xmlns:v="urn:schemas-microsoft-com:vml" xmlns:pvml="urn:schemas-microsoft-com:office:powerpoint" xmlns:com="http://schemas.openxmlformats.org/drawingml/2006/compatibility" xmlns:p14="http://schemas.microsoft.com/office/powerpoint/2010/main">
+<p:notesMaster xmlns:a="http://schemas.openxmlformats.org/drawingml/2006/main" xmlns:r="http://schemas.openxmlformats.org/officeDocument/2006/relationships" xmlns:p="http://schemas.openxmlformats.org/presentationml/2006/main">
   <p:cSld>
+    <p:bg>
+      <p:bgRef idx="1001">
+        <a:schemeClr val="bg1"/>
+      </p:bgRef>
+    </p:bg>
     <p:spTree>
       <p:nvGrpSpPr>
-        <p:cNvPr id="2" name="Shape 2"/>
+        <p:cNvPr id="1" name="Shape 2"/>
         <p:cNvGrpSpPr/>
         <p:nvPr/>
       </p:nvGrpSpPr>
@@ -257,9 +262,11 @@
       <p:sp>
         <p:nvSpPr>
           <p:cNvPr id="3" name="Shape 3"/>
-          <p:cNvSpPr/>
+          <p:cNvSpPr>
+            <a:spLocks noGrp="1" noRot="1" noChangeAspect="1"/>
+          </p:cNvSpPr>
           <p:nvPr>
-            <p:ph idx="2" type="sldImg"/>
+            <p:ph type="sldImg" idx="2"/>
           </p:nvPr>
         </p:nvSpPr>
         <p:spPr>
@@ -268,8 +275,13 @@
             <a:ext cx="6096075" cy="3429000"/>
           </a:xfrm>
           <a:custGeom>
+            <a:avLst/>
+            <a:gdLst/>
+            <a:ahLst/>
+            <a:cxnLst/>
+            <a:rect l="0" t="0" r="0" b="0"/>
             <a:pathLst>
-              <a:path extrusionOk="0" h="120000" w="120000">
+              <a:path w="120000" h="120000" extrusionOk="0">
                 <a:moveTo>
                   <a:pt x="0" y="0"/>
                 </a:moveTo>
@@ -287,23 +299,25 @@
             </a:pathLst>
           </a:custGeom>
           <a:noFill/>
-          <a:ln cap="flat" cmpd="sng" w="9525">
+          <a:ln w="9525" cap="flat" cmpd="sng">
             <a:solidFill>
               <a:srgbClr val="000000"/>
             </a:solidFill>
             <a:prstDash val="solid"/>
             <a:round/>
-            <a:headEnd len="med" w="med" type="none"/>
-            <a:tailEnd len="med" w="med" type="none"/>
+            <a:headEnd type="none" w="med" len="med"/>
+            <a:tailEnd type="none" w="med" len="med"/>
           </a:ln>
         </p:spPr>
       </p:sp>
       <p:sp>
         <p:nvSpPr>
           <p:cNvPr id="4" name="Shape 4"/>
-          <p:cNvSpPr txBox="1"/>
+          <p:cNvSpPr txBox="1">
+            <a:spLocks noGrp="1"/>
+          </p:cNvSpPr>
           <p:nvPr>
-            <p:ph idx="1" type="body"/>
+            <p:ph type="body" idx="1"/>
           </p:nvPr>
         </p:nvSpPr>
         <p:spPr>
@@ -320,7 +334,7 @@
           </a:ln>
         </p:spPr>
         <p:txBody>
-          <a:bodyPr anchorCtr="0" anchor="t" bIns="91425" lIns="91425" rIns="91425" tIns="91425"/>
+          <a:bodyPr lIns="91425" tIns="91425" rIns="91425" bIns="91425" anchor="t" anchorCtr="0"/>
           <a:lstStyle>
             <a:lvl1pPr lvl="0">
               <a:spcBef>
@@ -377,21 +391,120 @@
               <a:defRPr sz="1100"/>
             </a:lvl9pPr>
           </a:lstStyle>
-          <a:p/>
+          <a:p>
+            <a:endParaRPr/>
+          </a:p>
         </p:txBody>
       </p:sp>
     </p:spTree>
+    <p:extLst>
+      <p:ext uri="{BB962C8B-B14F-4D97-AF65-F5344CB8AC3E}">
+        <p14:creationId xmlns:p14="http://schemas.microsoft.com/office/powerpoint/2010/main" val="341232792"/>
+      </p:ext>
+    </p:extLst>
   </p:cSld>
-  <p:clrMap accent1="accent1" accent2="accent2" accent3="accent3" accent4="accent4" accent5="accent5" accent6="accent6" bg1="lt1" bg2="dk2" tx1="dk1" tx2="lt2" folHlink="folHlink" hlink="hlink"/>
+  <p:clrMap bg1="lt1" tx1="dk1" bg2="dk2" tx2="lt2" accent1="accent1" accent2="accent2" accent3="accent3" accent4="accent4" accent5="accent5" accent6="accent6" hlink="hlink" folHlink="folHlink"/>
+  <p:notesStyle>
+    <a:lvl1pPr marL="0" algn="l" defTabSz="914400" rtl="0" eaLnBrk="1" latinLnBrk="0" hangingPunct="1">
+      <a:defRPr sz="1200" kern="1200">
+        <a:solidFill>
+          <a:schemeClr val="tx1"/>
+        </a:solidFill>
+        <a:latin typeface="+mn-lt"/>
+        <a:ea typeface="+mn-ea"/>
+        <a:cs typeface="+mn-cs"/>
+      </a:defRPr>
+    </a:lvl1pPr>
+    <a:lvl2pPr marL="457200" algn="l" defTabSz="914400" rtl="0" eaLnBrk="1" latinLnBrk="0" hangingPunct="1">
+      <a:defRPr sz="1200" kern="1200">
+        <a:solidFill>
+          <a:schemeClr val="tx1"/>
+        </a:solidFill>
+        <a:latin typeface="+mn-lt"/>
+        <a:ea typeface="+mn-ea"/>
+        <a:cs typeface="+mn-cs"/>
+      </a:defRPr>
+    </a:lvl2pPr>
+    <a:lvl3pPr marL="914400" algn="l" defTabSz="914400" rtl="0" eaLnBrk="1" latinLnBrk="0" hangingPunct="1">
+      <a:defRPr sz="1200" kern="1200">
+        <a:solidFill>
+          <a:schemeClr val="tx1"/>
+        </a:solidFill>
+        <a:latin typeface="+mn-lt"/>
+        <a:ea typeface="+mn-ea"/>
+        <a:cs typeface="+mn-cs"/>
+      </a:defRPr>
+    </a:lvl3pPr>
+    <a:lvl4pPr marL="1371600" algn="l" defTabSz="914400" rtl="0" eaLnBrk="1" latinLnBrk="0" hangingPunct="1">
+      <a:defRPr sz="1200" kern="1200">
+        <a:solidFill>
+          <a:schemeClr val="tx1"/>
+        </a:solidFill>
+        <a:latin typeface="+mn-lt"/>
+        <a:ea typeface="+mn-ea"/>
+        <a:cs typeface="+mn-cs"/>
+      </a:defRPr>
+    </a:lvl4pPr>
+    <a:lvl5pPr marL="1828800" algn="l" defTabSz="914400" rtl="0" eaLnBrk="1" latinLnBrk="0" hangingPunct="1">
+      <a:defRPr sz="1200" kern="1200">
+        <a:solidFill>
+          <a:schemeClr val="tx1"/>
+        </a:solidFill>
+        <a:latin typeface="+mn-lt"/>
+        <a:ea typeface="+mn-ea"/>
+        <a:cs typeface="+mn-cs"/>
+      </a:defRPr>
+    </a:lvl5pPr>
+    <a:lvl6pPr marL="2286000" algn="l" defTabSz="914400" rtl="0" eaLnBrk="1" latinLnBrk="0" hangingPunct="1">
+      <a:defRPr sz="1200" kern="1200">
+        <a:solidFill>
+          <a:schemeClr val="tx1"/>
+        </a:solidFill>
+        <a:latin typeface="+mn-lt"/>
+        <a:ea typeface="+mn-ea"/>
+        <a:cs typeface="+mn-cs"/>
+      </a:defRPr>
+    </a:lvl6pPr>
+    <a:lvl7pPr marL="2743200" algn="l" defTabSz="914400" rtl="0" eaLnBrk="1" latinLnBrk="0" hangingPunct="1">
+      <a:defRPr sz="1200" kern="1200">
+        <a:solidFill>
+          <a:schemeClr val="tx1"/>
+        </a:solidFill>
+        <a:latin typeface="+mn-lt"/>
+        <a:ea typeface="+mn-ea"/>
+        <a:cs typeface="+mn-cs"/>
+      </a:defRPr>
+    </a:lvl7pPr>
+    <a:lvl8pPr marL="3200400" algn="l" defTabSz="914400" rtl="0" eaLnBrk="1" latinLnBrk="0" hangingPunct="1">
+      <a:defRPr sz="1200" kern="1200">
+        <a:solidFill>
+          <a:schemeClr val="tx1"/>
+        </a:solidFill>
+        <a:latin typeface="+mn-lt"/>
+        <a:ea typeface="+mn-ea"/>
+        <a:cs typeface="+mn-cs"/>
+      </a:defRPr>
+    </a:lvl8pPr>
+    <a:lvl9pPr marL="3657600" algn="l" defTabSz="914400" rtl="0" eaLnBrk="1" latinLnBrk="0" hangingPunct="1">
+      <a:defRPr sz="1200" kern="1200">
+        <a:solidFill>
+          <a:schemeClr val="tx1"/>
+        </a:solidFill>
+        <a:latin typeface="+mn-lt"/>
+        <a:ea typeface="+mn-ea"/>
+        <a:cs typeface="+mn-cs"/>
+      </a:defRPr>
+    </a:lvl9pPr>
+  </p:notesStyle>
 </p:notesMaster>
 </file>
 
 <file path=ppt/notesSlides/notesSlide1.xml><?xml version="1.0" encoding="utf-8"?>
-<p:notes xmlns:a="http://schemas.openxmlformats.org/drawingml/2006/main" xmlns:r="http://schemas.openxmlformats.org/officeDocument/2006/relationships" xmlns:mc="http://schemas.openxmlformats.org/markup-compatibility/2006" xmlns:mv="urn:schemas-microsoft-com:mac:vml" xmlns:p="http://schemas.openxmlformats.org/presentationml/2006/main" xmlns:c="http://schemas.openxmlformats.org/drawingml/2006/chart" xmlns:dgm="http://schemas.openxmlformats.org/drawingml/2006/diagram" xmlns:o="urn:schemas-microsoft-com:office:office" xmlns:v="urn:schemas-microsoft-com:vml" xmlns:pvml="urn:schemas-microsoft-com:office:powerpoint" xmlns:com="http://schemas.openxmlformats.org/drawingml/2006/compatibility" xmlns:p14="http://schemas.microsoft.com/office/powerpoint/2010/main" showMasterPhAnim="0" showMasterSp="0">
+<p:notes xmlns:a="http://schemas.openxmlformats.org/drawingml/2006/main" xmlns:r="http://schemas.openxmlformats.org/officeDocument/2006/relationships" xmlns:p="http://schemas.openxmlformats.org/presentationml/2006/main" showMasterSp="0" showMasterPhAnim="0">
   <p:cSld>
     <p:spTree>
       <p:nvGrpSpPr>
-        <p:cNvPr id="62" name="Shape 62"/>
+        <p:cNvPr id="1" name="Shape 62"/>
         <p:cNvGrpSpPr/>
         <p:nvPr/>
       </p:nvGrpSpPr>
@@ -406,9 +519,11 @@
       <p:sp>
         <p:nvSpPr>
           <p:cNvPr id="63" name="Shape 63"/>
-          <p:cNvSpPr/>
+          <p:cNvSpPr>
+            <a:spLocks noGrp="1" noRot="1" noChangeAspect="1"/>
+          </p:cNvSpPr>
           <p:nvPr>
-            <p:ph idx="2" type="sldImg"/>
+            <p:ph type="sldImg" idx="2"/>
           </p:nvPr>
         </p:nvSpPr>
         <p:spPr>
@@ -417,8 +532,13 @@
             <a:ext cx="6096075" cy="3429000"/>
           </a:xfrm>
           <a:custGeom>
+            <a:avLst/>
+            <a:gdLst/>
+            <a:ahLst/>
+            <a:cxnLst/>
+            <a:rect l="0" t="0" r="0" b="0"/>
             <a:pathLst>
-              <a:path extrusionOk="0" h="120000" w="120000">
+              <a:path w="120000" h="120000" extrusionOk="0">
                 <a:moveTo>
                   <a:pt x="0" y="0"/>
                 </a:moveTo>
@@ -440,9 +560,11 @@
       <p:sp>
         <p:nvSpPr>
           <p:cNvPr id="64" name="Shape 64"/>
-          <p:cNvSpPr txBox="1"/>
+          <p:cNvSpPr txBox="1">
+            <a:spLocks noGrp="1"/>
+          </p:cNvSpPr>
           <p:nvPr>
-            <p:ph idx="1" type="body"/>
+            <p:ph type="body" idx="1"/>
           </p:nvPr>
         </p:nvSpPr>
         <p:spPr>
@@ -455,7 +577,7 @@
           </a:prstGeom>
         </p:spPr>
         <p:txBody>
-          <a:bodyPr anchorCtr="0" anchor="t" bIns="91425" lIns="91425" rIns="91425" tIns="91425">
+          <a:bodyPr lIns="91425" tIns="91425" rIns="91425" bIns="91425" anchor="t" anchorCtr="0">
             <a:noAutofit/>
           </a:bodyPr>
           <a:lstStyle/>
@@ -466,14 +588,16 @@
               </a:spcBef>
               <a:buNone/>
             </a:pPr>
-            <a:r>
-              <a:t/>
-            </a:r>
             <a:endParaRPr/>
           </a:p>
         </p:txBody>
       </p:sp>
     </p:spTree>
+    <p:extLst>
+      <p:ext uri="{BB962C8B-B14F-4D97-AF65-F5344CB8AC3E}">
+        <p14:creationId xmlns:p14="http://schemas.microsoft.com/office/powerpoint/2010/main" val="4035990409"/>
+      </p:ext>
+    </p:extLst>
   </p:cSld>
   <p:clrMapOvr>
     <a:masterClrMapping/>
@@ -482,11 +606,11 @@
 </file>
 
 <file path=ppt/notesSlides/notesSlide2.xml><?xml version="1.0" encoding="utf-8"?>
-<p:notes xmlns:a="http://schemas.openxmlformats.org/drawingml/2006/main" xmlns:r="http://schemas.openxmlformats.org/officeDocument/2006/relationships" xmlns:mc="http://schemas.openxmlformats.org/markup-compatibility/2006" xmlns:mv="urn:schemas-microsoft-com:mac:vml" xmlns:p="http://schemas.openxmlformats.org/presentationml/2006/main" xmlns:c="http://schemas.openxmlformats.org/drawingml/2006/chart" xmlns:dgm="http://schemas.openxmlformats.org/drawingml/2006/diagram" xmlns:o="urn:schemas-microsoft-com:office:office" xmlns:v="urn:schemas-microsoft-com:vml" xmlns:pvml="urn:schemas-microsoft-com:office:powerpoint" xmlns:com="http://schemas.openxmlformats.org/drawingml/2006/compatibility" xmlns:p14="http://schemas.microsoft.com/office/powerpoint/2010/main" showMasterPhAnim="0" showMasterSp="0">
+<p:notes xmlns:a="http://schemas.openxmlformats.org/drawingml/2006/main" xmlns:r="http://schemas.openxmlformats.org/officeDocument/2006/relationships" xmlns:p="http://schemas.openxmlformats.org/presentationml/2006/main" showMasterSp="0" showMasterPhAnim="0">
   <p:cSld>
     <p:spTree>
       <p:nvGrpSpPr>
-        <p:cNvPr id="68" name="Shape 68"/>
+        <p:cNvPr id="1" name="Shape 68"/>
         <p:cNvGrpSpPr/>
         <p:nvPr/>
       </p:nvGrpSpPr>
@@ -501,19 +625,26 @@
       <p:sp>
         <p:nvSpPr>
           <p:cNvPr id="69" name="Shape 69"/>
-          <p:cNvSpPr/>
+          <p:cNvSpPr>
+            <a:spLocks noGrp="1" noRot="1" noChangeAspect="1"/>
+          </p:cNvSpPr>
           <p:nvPr>
-            <p:ph idx="2" type="sldImg"/>
+            <p:ph type="sldImg" idx="2"/>
           </p:nvPr>
         </p:nvSpPr>
         <p:spPr>
           <a:xfrm>
-            <a:off x="381300" y="685800"/>
+            <a:off x="381000" y="685800"/>
             <a:ext cx="6096000" cy="3429000"/>
           </a:xfrm>
           <a:custGeom>
+            <a:avLst/>
+            <a:gdLst/>
+            <a:ahLst/>
+            <a:cxnLst/>
+            <a:rect l="0" t="0" r="0" b="0"/>
             <a:pathLst>
-              <a:path extrusionOk="0" h="120000" w="120000">
+              <a:path w="120000" h="120000" extrusionOk="0">
                 <a:moveTo>
                   <a:pt x="0" y="0"/>
                 </a:moveTo>
@@ -535,9 +666,11 @@
       <p:sp>
         <p:nvSpPr>
           <p:cNvPr id="70" name="Shape 70"/>
-          <p:cNvSpPr txBox="1"/>
+          <p:cNvSpPr txBox="1">
+            <a:spLocks noGrp="1"/>
+          </p:cNvSpPr>
           <p:nvPr>
-            <p:ph idx="1" type="body"/>
+            <p:ph type="body" idx="1"/>
           </p:nvPr>
         </p:nvSpPr>
         <p:spPr>
@@ -550,7 +683,7 @@
           </a:prstGeom>
         </p:spPr>
         <p:txBody>
-          <a:bodyPr anchorCtr="0" anchor="t" bIns="91425" lIns="91425" rIns="91425" tIns="91425">
+          <a:bodyPr lIns="91425" tIns="91425" rIns="91425" bIns="91425" anchor="t" anchorCtr="0">
             <a:noAutofit/>
           </a:bodyPr>
           <a:lstStyle/>
@@ -561,14 +694,16 @@
               </a:spcBef>
               <a:buNone/>
             </a:pPr>
-            <a:r>
-              <a:t/>
-            </a:r>
             <a:endParaRPr/>
           </a:p>
         </p:txBody>
       </p:sp>
     </p:spTree>
+    <p:extLst>
+      <p:ext uri="{BB962C8B-B14F-4D97-AF65-F5344CB8AC3E}">
+        <p14:creationId xmlns:p14="http://schemas.microsoft.com/office/powerpoint/2010/main" val="1308800065"/>
+      </p:ext>
+    </p:extLst>
   </p:cSld>
   <p:clrMapOvr>
     <a:masterClrMapping/>
@@ -577,11 +712,11 @@
 </file>
 
 <file path=ppt/notesSlides/notesSlide3.xml><?xml version="1.0" encoding="utf-8"?>
-<p:notes xmlns:a="http://schemas.openxmlformats.org/drawingml/2006/main" xmlns:r="http://schemas.openxmlformats.org/officeDocument/2006/relationships" xmlns:mc="http://schemas.openxmlformats.org/markup-compatibility/2006" xmlns:mv="urn:schemas-microsoft-com:mac:vml" xmlns:p="http://schemas.openxmlformats.org/presentationml/2006/main" xmlns:c="http://schemas.openxmlformats.org/drawingml/2006/chart" xmlns:dgm="http://schemas.openxmlformats.org/drawingml/2006/diagram" xmlns:o="urn:schemas-microsoft-com:office:office" xmlns:v="urn:schemas-microsoft-com:vml" xmlns:pvml="urn:schemas-microsoft-com:office:powerpoint" xmlns:com="http://schemas.openxmlformats.org/drawingml/2006/compatibility" xmlns:p14="http://schemas.microsoft.com/office/powerpoint/2010/main" showMasterPhAnim="0" showMasterSp="0">
+<p:notes xmlns:a="http://schemas.openxmlformats.org/drawingml/2006/main" xmlns:r="http://schemas.openxmlformats.org/officeDocument/2006/relationships" xmlns:p="http://schemas.openxmlformats.org/presentationml/2006/main" showMasterSp="0" showMasterPhAnim="0">
   <p:cSld>
     <p:spTree>
       <p:nvGrpSpPr>
-        <p:cNvPr id="74" name="Shape 74"/>
+        <p:cNvPr id="1" name="Shape 74"/>
         <p:cNvGrpSpPr/>
         <p:nvPr/>
       </p:nvGrpSpPr>
@@ -596,19 +731,26 @@
       <p:sp>
         <p:nvSpPr>
           <p:cNvPr id="75" name="Shape 75"/>
-          <p:cNvSpPr/>
+          <p:cNvSpPr>
+            <a:spLocks noGrp="1" noRot="1" noChangeAspect="1"/>
+          </p:cNvSpPr>
           <p:nvPr>
-            <p:ph idx="2" type="sldImg"/>
+            <p:ph type="sldImg" idx="2"/>
           </p:nvPr>
         </p:nvSpPr>
         <p:spPr>
           <a:xfrm>
-            <a:off x="381300" y="685800"/>
+            <a:off x="381000" y="685800"/>
             <a:ext cx="6096000" cy="3429000"/>
           </a:xfrm>
           <a:custGeom>
+            <a:avLst/>
+            <a:gdLst/>
+            <a:ahLst/>
+            <a:cxnLst/>
+            <a:rect l="0" t="0" r="0" b="0"/>
             <a:pathLst>
-              <a:path extrusionOk="0" h="120000" w="120000">
+              <a:path w="120000" h="120000" extrusionOk="0">
                 <a:moveTo>
                   <a:pt x="0" y="0"/>
                 </a:moveTo>
@@ -630,9 +772,11 @@
       <p:sp>
         <p:nvSpPr>
           <p:cNvPr id="76" name="Shape 76"/>
-          <p:cNvSpPr txBox="1"/>
+          <p:cNvSpPr txBox="1">
+            <a:spLocks noGrp="1"/>
+          </p:cNvSpPr>
           <p:nvPr>
-            <p:ph idx="1" type="body"/>
+            <p:ph type="body" idx="1"/>
           </p:nvPr>
         </p:nvSpPr>
         <p:spPr>
@@ -645,7 +789,7 @@
           </a:prstGeom>
         </p:spPr>
         <p:txBody>
-          <a:bodyPr anchorCtr="0" anchor="t" bIns="91425" lIns="91425" rIns="91425" tIns="91425">
+          <a:bodyPr lIns="91425" tIns="91425" rIns="91425" bIns="91425" anchor="t" anchorCtr="0">
             <a:noAutofit/>
           </a:bodyPr>
           <a:lstStyle/>
@@ -656,14 +800,16 @@
               </a:spcBef>
               <a:buNone/>
             </a:pPr>
-            <a:r>
-              <a:t/>
-            </a:r>
             <a:endParaRPr/>
           </a:p>
         </p:txBody>
       </p:sp>
     </p:spTree>
+    <p:extLst>
+      <p:ext uri="{BB962C8B-B14F-4D97-AF65-F5344CB8AC3E}">
+        <p14:creationId xmlns:p14="http://schemas.microsoft.com/office/powerpoint/2010/main" val="2389541253"/>
+      </p:ext>
+    </p:extLst>
   </p:cSld>
   <p:clrMapOvr>
     <a:masterClrMapping/>
@@ -672,11 +818,11 @@
 </file>
 
 <file path=ppt/notesSlides/notesSlide4.xml><?xml version="1.0" encoding="utf-8"?>
-<p:notes xmlns:a="http://schemas.openxmlformats.org/drawingml/2006/main" xmlns:r="http://schemas.openxmlformats.org/officeDocument/2006/relationships" xmlns:mc="http://schemas.openxmlformats.org/markup-compatibility/2006" xmlns:mv="urn:schemas-microsoft-com:mac:vml" xmlns:p="http://schemas.openxmlformats.org/presentationml/2006/main" xmlns:c="http://schemas.openxmlformats.org/drawingml/2006/chart" xmlns:dgm="http://schemas.openxmlformats.org/drawingml/2006/diagram" xmlns:o="urn:schemas-microsoft-com:office:office" xmlns:v="urn:schemas-microsoft-com:vml" xmlns:pvml="urn:schemas-microsoft-com:office:powerpoint" xmlns:com="http://schemas.openxmlformats.org/drawingml/2006/compatibility" xmlns:p14="http://schemas.microsoft.com/office/powerpoint/2010/main" showMasterPhAnim="0" showMasterSp="0">
+<p:notes xmlns:a="http://schemas.openxmlformats.org/drawingml/2006/main" xmlns:r="http://schemas.openxmlformats.org/officeDocument/2006/relationships" xmlns:p="http://schemas.openxmlformats.org/presentationml/2006/main" showMasterSp="0" showMasterPhAnim="0">
   <p:cSld>
     <p:spTree>
       <p:nvGrpSpPr>
-        <p:cNvPr id="80" name="Shape 80"/>
+        <p:cNvPr id="1" name="Shape 80"/>
         <p:cNvGrpSpPr/>
         <p:nvPr/>
       </p:nvGrpSpPr>
@@ -691,9 +837,11 @@
       <p:sp>
         <p:nvSpPr>
           <p:cNvPr id="81" name="Shape 81"/>
-          <p:cNvSpPr/>
+          <p:cNvSpPr>
+            <a:spLocks noGrp="1" noRot="1" noChangeAspect="1"/>
+          </p:cNvSpPr>
           <p:nvPr>
-            <p:ph idx="2" type="sldImg"/>
+            <p:ph type="sldImg" idx="2"/>
           </p:nvPr>
         </p:nvSpPr>
         <p:spPr>
@@ -702,8 +850,13 @@
             <a:ext cx="6096000" cy="3429000"/>
           </a:xfrm>
           <a:custGeom>
+            <a:avLst/>
+            <a:gdLst/>
+            <a:ahLst/>
+            <a:cxnLst/>
+            <a:rect l="0" t="0" r="0" b="0"/>
             <a:pathLst>
-              <a:path extrusionOk="0" h="120000" w="120000">
+              <a:path w="120000" h="120000" extrusionOk="0">
                 <a:moveTo>
                   <a:pt x="0" y="0"/>
                 </a:moveTo>
@@ -725,9 +878,11 @@
       <p:sp>
         <p:nvSpPr>
           <p:cNvPr id="82" name="Shape 82"/>
-          <p:cNvSpPr txBox="1"/>
+          <p:cNvSpPr txBox="1">
+            <a:spLocks noGrp="1"/>
+          </p:cNvSpPr>
           <p:nvPr>
-            <p:ph idx="1" type="body"/>
+            <p:ph type="body" idx="1"/>
           </p:nvPr>
         </p:nvSpPr>
         <p:spPr>
@@ -740,7 +895,7 @@
           </a:prstGeom>
         </p:spPr>
         <p:txBody>
-          <a:bodyPr anchorCtr="0" anchor="t" bIns="91425" lIns="91425" rIns="91425" tIns="91425">
+          <a:bodyPr lIns="91425" tIns="91425" rIns="91425" bIns="91425" anchor="t" anchorCtr="0">
             <a:noAutofit/>
           </a:bodyPr>
           <a:lstStyle/>
@@ -751,14 +906,16 @@
               </a:spcBef>
               <a:buNone/>
             </a:pPr>
-            <a:r>
-              <a:t/>
-            </a:r>
             <a:endParaRPr/>
           </a:p>
         </p:txBody>
       </p:sp>
     </p:spTree>
+    <p:extLst>
+      <p:ext uri="{BB962C8B-B14F-4D97-AF65-F5344CB8AC3E}">
+        <p14:creationId xmlns:p14="http://schemas.microsoft.com/office/powerpoint/2010/main" val="2539334724"/>
+      </p:ext>
+    </p:extLst>
   </p:cSld>
   <p:clrMapOvr>
     <a:masterClrMapping/>
@@ -767,11 +924,11 @@
 </file>
 
 <file path=ppt/notesSlides/notesSlide5.xml><?xml version="1.0" encoding="utf-8"?>
-<p:notes xmlns:a="http://schemas.openxmlformats.org/drawingml/2006/main" xmlns:r="http://schemas.openxmlformats.org/officeDocument/2006/relationships" xmlns:mc="http://schemas.openxmlformats.org/markup-compatibility/2006" xmlns:mv="urn:schemas-microsoft-com:mac:vml" xmlns:p="http://schemas.openxmlformats.org/presentationml/2006/main" xmlns:c="http://schemas.openxmlformats.org/drawingml/2006/chart" xmlns:dgm="http://schemas.openxmlformats.org/drawingml/2006/diagram" xmlns:o="urn:schemas-microsoft-com:office:office" xmlns:v="urn:schemas-microsoft-com:vml" xmlns:pvml="urn:schemas-microsoft-com:office:powerpoint" xmlns:com="http://schemas.openxmlformats.org/drawingml/2006/compatibility" xmlns:p14="http://schemas.microsoft.com/office/powerpoint/2010/main" showMasterPhAnim="0" showMasterSp="0">
+<p:notes xmlns:a="http://schemas.openxmlformats.org/drawingml/2006/main" xmlns:r="http://schemas.openxmlformats.org/officeDocument/2006/relationships" xmlns:p="http://schemas.openxmlformats.org/presentationml/2006/main" showMasterSp="0" showMasterPhAnim="0">
   <p:cSld>
     <p:spTree>
       <p:nvGrpSpPr>
-        <p:cNvPr id="85" name="Shape 85"/>
+        <p:cNvPr id="1" name="Shape 85"/>
         <p:cNvGrpSpPr/>
         <p:nvPr/>
       </p:nvGrpSpPr>
@@ -786,9 +943,11 @@
       <p:sp>
         <p:nvSpPr>
           <p:cNvPr id="86" name="Shape 86"/>
-          <p:cNvSpPr/>
+          <p:cNvSpPr>
+            <a:spLocks noGrp="1" noRot="1" noChangeAspect="1"/>
+          </p:cNvSpPr>
           <p:nvPr>
-            <p:ph idx="2" type="sldImg"/>
+            <p:ph type="sldImg" idx="2"/>
           </p:nvPr>
         </p:nvSpPr>
         <p:spPr>
@@ -797,8 +956,13 @@
             <a:ext cx="6096000" cy="3429000"/>
           </a:xfrm>
           <a:custGeom>
+            <a:avLst/>
+            <a:gdLst/>
+            <a:ahLst/>
+            <a:cxnLst/>
+            <a:rect l="0" t="0" r="0" b="0"/>
             <a:pathLst>
-              <a:path extrusionOk="0" h="120000" w="120000">
+              <a:path w="120000" h="120000" extrusionOk="0">
                 <a:moveTo>
                   <a:pt x="0" y="0"/>
                 </a:moveTo>
@@ -820,9 +984,11 @@
       <p:sp>
         <p:nvSpPr>
           <p:cNvPr id="87" name="Shape 87"/>
-          <p:cNvSpPr txBox="1"/>
+          <p:cNvSpPr txBox="1">
+            <a:spLocks noGrp="1"/>
+          </p:cNvSpPr>
           <p:nvPr>
-            <p:ph idx="1" type="body"/>
+            <p:ph type="body" idx="1"/>
           </p:nvPr>
         </p:nvSpPr>
         <p:spPr>
@@ -835,7 +1001,7 @@
           </a:prstGeom>
         </p:spPr>
         <p:txBody>
-          <a:bodyPr anchorCtr="0" anchor="t" bIns="91425" lIns="91425" rIns="91425" tIns="91425">
+          <a:bodyPr lIns="91425" tIns="91425" rIns="91425" bIns="91425" anchor="t" anchorCtr="0">
             <a:noAutofit/>
           </a:bodyPr>
           <a:lstStyle/>
@@ -846,14 +1012,16 @@
               </a:spcBef>
               <a:buNone/>
             </a:pPr>
-            <a:r>
-              <a:t/>
-            </a:r>
             <a:endParaRPr/>
           </a:p>
         </p:txBody>
       </p:sp>
     </p:spTree>
+    <p:extLst>
+      <p:ext uri="{BB962C8B-B14F-4D97-AF65-F5344CB8AC3E}">
+        <p14:creationId xmlns:p14="http://schemas.microsoft.com/office/powerpoint/2010/main" val="2497371801"/>
+      </p:ext>
+    </p:extLst>
   </p:cSld>
   <p:clrMapOvr>
     <a:masterClrMapping/>
@@ -862,11 +1030,11 @@
 </file>
 
 <file path=ppt/notesSlides/notesSlide6.xml><?xml version="1.0" encoding="utf-8"?>
-<p:notes xmlns:a="http://schemas.openxmlformats.org/drawingml/2006/main" xmlns:r="http://schemas.openxmlformats.org/officeDocument/2006/relationships" xmlns:mc="http://schemas.openxmlformats.org/markup-compatibility/2006" xmlns:mv="urn:schemas-microsoft-com:mac:vml" xmlns:p="http://schemas.openxmlformats.org/presentationml/2006/main" xmlns:c="http://schemas.openxmlformats.org/drawingml/2006/chart" xmlns:dgm="http://schemas.openxmlformats.org/drawingml/2006/diagram" xmlns:o="urn:schemas-microsoft-com:office:office" xmlns:v="urn:schemas-microsoft-com:vml" xmlns:pvml="urn:schemas-microsoft-com:office:powerpoint" xmlns:com="http://schemas.openxmlformats.org/drawingml/2006/compatibility" xmlns:p14="http://schemas.microsoft.com/office/powerpoint/2010/main" showMasterPhAnim="0" showMasterSp="0">
+<p:notes xmlns:a="http://schemas.openxmlformats.org/drawingml/2006/main" xmlns:r="http://schemas.openxmlformats.org/officeDocument/2006/relationships" xmlns:p="http://schemas.openxmlformats.org/presentationml/2006/main" showMasterSp="0" showMasterPhAnim="0">
   <p:cSld>
     <p:spTree>
       <p:nvGrpSpPr>
-        <p:cNvPr id="94" name="Shape 94"/>
+        <p:cNvPr id="1" name="Shape 94"/>
         <p:cNvGrpSpPr/>
         <p:nvPr/>
       </p:nvGrpSpPr>
@@ -881,9 +1049,11 @@
       <p:sp>
         <p:nvSpPr>
           <p:cNvPr id="95" name="Shape 95"/>
-          <p:cNvSpPr/>
+          <p:cNvSpPr>
+            <a:spLocks noGrp="1" noRot="1" noChangeAspect="1"/>
+          </p:cNvSpPr>
           <p:nvPr>
-            <p:ph idx="2" type="sldImg"/>
+            <p:ph type="sldImg" idx="2"/>
           </p:nvPr>
         </p:nvSpPr>
         <p:spPr>
@@ -892,8 +1062,13 @@
             <a:ext cx="6096000" cy="3429000"/>
           </a:xfrm>
           <a:custGeom>
+            <a:avLst/>
+            <a:gdLst/>
+            <a:ahLst/>
+            <a:cxnLst/>
+            <a:rect l="0" t="0" r="0" b="0"/>
             <a:pathLst>
-              <a:path extrusionOk="0" h="120000" w="120000">
+              <a:path w="120000" h="120000" extrusionOk="0">
                 <a:moveTo>
                   <a:pt x="0" y="0"/>
                 </a:moveTo>
@@ -915,9 +1090,11 @@
       <p:sp>
         <p:nvSpPr>
           <p:cNvPr id="96" name="Shape 96"/>
-          <p:cNvSpPr txBox="1"/>
+          <p:cNvSpPr txBox="1">
+            <a:spLocks noGrp="1"/>
+          </p:cNvSpPr>
           <p:nvPr>
-            <p:ph idx="1" type="body"/>
+            <p:ph type="body" idx="1"/>
           </p:nvPr>
         </p:nvSpPr>
         <p:spPr>
@@ -930,7 +1107,7 @@
           </a:prstGeom>
         </p:spPr>
         <p:txBody>
-          <a:bodyPr anchorCtr="0" anchor="t" bIns="91425" lIns="91425" rIns="91425" tIns="91425">
+          <a:bodyPr lIns="91425" tIns="91425" rIns="91425" bIns="91425" anchor="t" anchorCtr="0">
             <a:noAutofit/>
           </a:bodyPr>
           <a:lstStyle/>
@@ -941,14 +1118,16 @@
               </a:spcBef>
               <a:buNone/>
             </a:pPr>
-            <a:r>
-              <a:t/>
-            </a:r>
             <a:endParaRPr/>
           </a:p>
         </p:txBody>
       </p:sp>
     </p:spTree>
+    <p:extLst>
+      <p:ext uri="{BB962C8B-B14F-4D97-AF65-F5344CB8AC3E}">
+        <p14:creationId xmlns:p14="http://schemas.microsoft.com/office/powerpoint/2010/main" val="2238601040"/>
+      </p:ext>
+    </p:extLst>
   </p:cSld>
   <p:clrMapOvr>
     <a:masterClrMapping/>
@@ -957,11 +1136,11 @@
 </file>
 
 <file path=ppt/notesSlides/notesSlide7.xml><?xml version="1.0" encoding="utf-8"?>
-<p:notes xmlns:a="http://schemas.openxmlformats.org/drawingml/2006/main" xmlns:r="http://schemas.openxmlformats.org/officeDocument/2006/relationships" xmlns:mc="http://schemas.openxmlformats.org/markup-compatibility/2006" xmlns:mv="urn:schemas-microsoft-com:mac:vml" xmlns:p="http://schemas.openxmlformats.org/presentationml/2006/main" xmlns:c="http://schemas.openxmlformats.org/drawingml/2006/chart" xmlns:dgm="http://schemas.openxmlformats.org/drawingml/2006/diagram" xmlns:o="urn:schemas-microsoft-com:office:office" xmlns:v="urn:schemas-microsoft-com:vml" xmlns:pvml="urn:schemas-microsoft-com:office:powerpoint" xmlns:com="http://schemas.openxmlformats.org/drawingml/2006/compatibility" xmlns:p14="http://schemas.microsoft.com/office/powerpoint/2010/main" showMasterPhAnim="0" showMasterSp="0">
+<p:notes xmlns:a="http://schemas.openxmlformats.org/drawingml/2006/main" xmlns:r="http://schemas.openxmlformats.org/officeDocument/2006/relationships" xmlns:p="http://schemas.openxmlformats.org/presentationml/2006/main" showMasterSp="0" showMasterPhAnim="0">
   <p:cSld>
     <p:spTree>
       <p:nvGrpSpPr>
-        <p:cNvPr id="100" name="Shape 100"/>
+        <p:cNvPr id="1" name="Shape 100"/>
         <p:cNvGrpSpPr/>
         <p:nvPr/>
       </p:nvGrpSpPr>
@@ -976,9 +1155,11 @@
       <p:sp>
         <p:nvSpPr>
           <p:cNvPr id="101" name="Shape 101"/>
-          <p:cNvSpPr/>
+          <p:cNvSpPr>
+            <a:spLocks noGrp="1" noRot="1" noChangeAspect="1"/>
+          </p:cNvSpPr>
           <p:nvPr>
-            <p:ph idx="2" type="sldImg"/>
+            <p:ph type="sldImg" idx="2"/>
           </p:nvPr>
         </p:nvSpPr>
         <p:spPr>
@@ -987,8 +1168,13 @@
             <a:ext cx="6096000" cy="3429000"/>
           </a:xfrm>
           <a:custGeom>
+            <a:avLst/>
+            <a:gdLst/>
+            <a:ahLst/>
+            <a:cxnLst/>
+            <a:rect l="0" t="0" r="0" b="0"/>
             <a:pathLst>
-              <a:path extrusionOk="0" h="120000" w="120000">
+              <a:path w="120000" h="120000" extrusionOk="0">
                 <a:moveTo>
                   <a:pt x="0" y="0"/>
                 </a:moveTo>
@@ -1010,9 +1196,11 @@
       <p:sp>
         <p:nvSpPr>
           <p:cNvPr id="102" name="Shape 102"/>
-          <p:cNvSpPr txBox="1"/>
+          <p:cNvSpPr txBox="1">
+            <a:spLocks noGrp="1"/>
+          </p:cNvSpPr>
           <p:nvPr>
-            <p:ph idx="1" type="body"/>
+            <p:ph type="body" idx="1"/>
           </p:nvPr>
         </p:nvSpPr>
         <p:spPr>
@@ -1025,7 +1213,7 @@
           </a:prstGeom>
         </p:spPr>
         <p:txBody>
-          <a:bodyPr anchorCtr="0" anchor="t" bIns="91425" lIns="91425" rIns="91425" tIns="91425">
+          <a:bodyPr lIns="91425" tIns="91425" rIns="91425" bIns="91425" anchor="t" anchorCtr="0">
             <a:noAutofit/>
           </a:bodyPr>
           <a:lstStyle/>
@@ -1036,14 +1224,16 @@
               </a:spcBef>
               <a:buNone/>
             </a:pPr>
-            <a:r>
-              <a:t/>
-            </a:r>
             <a:endParaRPr/>
           </a:p>
         </p:txBody>
       </p:sp>
     </p:spTree>
+    <p:extLst>
+      <p:ext uri="{BB962C8B-B14F-4D97-AF65-F5344CB8AC3E}">
+        <p14:creationId xmlns:p14="http://schemas.microsoft.com/office/powerpoint/2010/main" val="1298566397"/>
+      </p:ext>
+    </p:extLst>
   </p:cSld>
   <p:clrMapOvr>
     <a:masterClrMapping/>
@@ -1052,11 +1242,11 @@
 </file>
 
 <file path=ppt/slideLayouts/slideLayout1.xml><?xml version="1.0" encoding="utf-8"?>
-<p:sldLayout xmlns:a="http://schemas.openxmlformats.org/drawingml/2006/main" xmlns:r="http://schemas.openxmlformats.org/officeDocument/2006/relationships" xmlns:mc="http://schemas.openxmlformats.org/markup-compatibility/2006" xmlns:mv="urn:schemas-microsoft-com:mac:vml" xmlns:p="http://schemas.openxmlformats.org/presentationml/2006/main" xmlns:c="http://schemas.openxmlformats.org/drawingml/2006/chart" xmlns:dgm="http://schemas.openxmlformats.org/drawingml/2006/diagram" xmlns:o="urn:schemas-microsoft-com:office:office" xmlns:v="urn:schemas-microsoft-com:vml" xmlns:pvml="urn:schemas-microsoft-com:office:powerpoint" xmlns:com="http://schemas.openxmlformats.org/drawingml/2006/compatibility" xmlns:p14="http://schemas.microsoft.com/office/powerpoint/2010/main" type="title">
+<p:sldLayout xmlns:a="http://schemas.openxmlformats.org/drawingml/2006/main" xmlns:r="http://schemas.openxmlformats.org/officeDocument/2006/relationships" xmlns:p="http://schemas.openxmlformats.org/presentationml/2006/main" type="title">
   <p:cSld name="Title slide">
     <p:spTree>
       <p:nvGrpSpPr>
-        <p:cNvPr id="9" name="Shape 9"/>
+        <p:cNvPr id="1" name="Shape 9"/>
         <p:cNvGrpSpPr/>
         <p:nvPr/>
       </p:nvGrpSpPr>
@@ -1083,14 +1273,14 @@
             <a:avLst/>
           </a:prstGeom>
           <a:noFill/>
-          <a:ln cap="flat" cmpd="sng" w="76200">
+          <a:ln w="76200" cap="flat" cmpd="sng">
             <a:solidFill>
               <a:schemeClr val="lt2"/>
             </a:solidFill>
             <a:prstDash val="solid"/>
             <a:round/>
-            <a:headEnd len="med" w="med" type="none"/>
-            <a:tailEnd len="med" w="med" type="none"/>
+            <a:headEnd type="none" w="med" len="med"/>
+            <a:tailEnd type="none" w="med" len="med"/>
           </a:ln>
         </p:spPr>
       </p:cxnSp>
@@ -1109,14 +1299,14 @@
             <a:avLst/>
           </a:prstGeom>
           <a:noFill/>
-          <a:ln cap="flat" cmpd="sng" w="76200">
+          <a:ln w="76200" cap="flat" cmpd="sng">
             <a:solidFill>
               <a:schemeClr val="lt2"/>
             </a:solidFill>
             <a:prstDash val="solid"/>
             <a:round/>
-            <a:headEnd len="med" w="med" type="none"/>
-            <a:tailEnd len="med" w="med" type="none"/>
+            <a:headEnd type="none" w="med" len="med"/>
+            <a:tailEnd type="none" w="med" len="med"/>
           </a:ln>
         </p:spPr>
       </p:cxnSp>
@@ -1149,14 +1339,14 @@
               <a:avLst/>
             </a:prstGeom>
             <a:noFill/>
-            <a:ln cap="flat" cmpd="sng" w="76200">
+            <a:ln w="76200" cap="flat" cmpd="sng">
               <a:solidFill>
                 <a:schemeClr val="accent3"/>
               </a:solidFill>
               <a:prstDash val="solid"/>
               <a:round/>
-              <a:headEnd len="med" w="med" type="none"/>
-              <a:tailEnd len="med" w="med" type="none"/>
+              <a:headEnd type="none" w="med" len="med"/>
+              <a:tailEnd type="none" w="med" len="med"/>
             </a:ln>
           </p:spPr>
         </p:cxnSp>
@@ -1175,14 +1365,14 @@
               <a:avLst/>
             </a:prstGeom>
             <a:noFill/>
-            <a:ln cap="flat" cmpd="sng" w="9525">
+            <a:ln w="9525" cap="flat" cmpd="sng">
               <a:solidFill>
                 <a:schemeClr val="accent3"/>
               </a:solidFill>
               <a:prstDash val="solid"/>
               <a:round/>
-              <a:headEnd len="med" w="med" type="none"/>
-              <a:tailEnd len="med" w="med" type="none"/>
+              <a:headEnd type="none" w="med" len="med"/>
+              <a:tailEnd type="none" w="med" len="med"/>
             </a:ln>
           </p:spPr>
         </p:cxnSp>
@@ -1216,14 +1406,14 @@
               <a:avLst/>
             </a:prstGeom>
             <a:noFill/>
-            <a:ln cap="flat" cmpd="sng" w="76200">
+            <a:ln w="76200" cap="flat" cmpd="sng">
               <a:solidFill>
                 <a:schemeClr val="accent3"/>
               </a:solidFill>
               <a:prstDash val="solid"/>
               <a:round/>
-              <a:headEnd len="med" w="med" type="none"/>
-              <a:tailEnd len="med" w="med" type="none"/>
+              <a:headEnd type="none" w="med" len="med"/>
+              <a:tailEnd type="none" w="med" len="med"/>
             </a:ln>
           </p:spPr>
         </p:cxnSp>
@@ -1242,14 +1432,14 @@
               <a:avLst/>
             </a:prstGeom>
             <a:noFill/>
-            <a:ln cap="flat" cmpd="sng" w="9525">
+            <a:ln w="9525" cap="flat" cmpd="sng">
               <a:solidFill>
                 <a:schemeClr val="accent3"/>
               </a:solidFill>
               <a:prstDash val="solid"/>
               <a:round/>
-              <a:headEnd len="med" w="med" type="none"/>
-              <a:tailEnd len="med" w="med" type="none"/>
+              <a:headEnd type="none" w="med" len="med"/>
+              <a:tailEnd type="none" w="med" len="med"/>
             </a:ln>
           </p:spPr>
         </p:cxnSp>
@@ -1257,7 +1447,9 @@
       <p:sp>
         <p:nvSpPr>
           <p:cNvPr id="18" name="Shape 18"/>
-          <p:cNvSpPr txBox="1"/>
+          <p:cNvSpPr txBox="1">
+            <a:spLocks noGrp="1"/>
+          </p:cNvSpPr>
           <p:nvPr>
             <p:ph type="ctrTitle"/>
           </p:nvPr>
@@ -1272,7 +1464,7 @@
           </a:prstGeom>
         </p:spPr>
         <p:txBody>
-          <a:bodyPr anchorCtr="0" anchor="b" bIns="91425" lIns="91425" rIns="91425" tIns="91425"/>
+          <a:bodyPr lIns="91425" tIns="91425" rIns="91425" bIns="91425" anchor="b" anchorCtr="0"/>
           <a:lstStyle>
             <a:lvl1pPr lvl="0" algn="ctr">
               <a:spcBef>
@@ -1338,15 +1530,19 @@
               <a:defRPr sz="5400"/>
             </a:lvl9pPr>
           </a:lstStyle>
-          <a:p/>
+          <a:p>
+            <a:endParaRPr/>
+          </a:p>
         </p:txBody>
       </p:sp>
       <p:sp>
         <p:nvSpPr>
           <p:cNvPr id="19" name="Shape 19"/>
-          <p:cNvSpPr txBox="1"/>
+          <p:cNvSpPr txBox="1">
+            <a:spLocks noGrp="1"/>
+          </p:cNvSpPr>
           <p:nvPr>
-            <p:ph idx="1" type="subTitle"/>
+            <p:ph type="subTitle" idx="1"/>
           </p:nvPr>
         </p:nvSpPr>
         <p:spPr>
@@ -1359,7 +1555,7 @@
           </a:prstGeom>
         </p:spPr>
         <p:txBody>
-          <a:bodyPr anchorCtr="0" anchor="t" bIns="91425" lIns="91425" rIns="91425" tIns="91425"/>
+          <a:bodyPr lIns="91425" tIns="91425" rIns="91425" bIns="91425" anchor="t" anchorCtr="0"/>
           <a:lstStyle>
             <a:lvl1pPr lvl="0" algn="ctr">
               <a:lnSpc>
@@ -1488,15 +1684,19 @@
               <a:defRPr sz="2400"/>
             </a:lvl9pPr>
           </a:lstStyle>
-          <a:p/>
+          <a:p>
+            <a:endParaRPr/>
+          </a:p>
         </p:txBody>
       </p:sp>
       <p:sp>
         <p:nvSpPr>
           <p:cNvPr id="20" name="Shape 20"/>
-          <p:cNvSpPr txBox="1"/>
+          <p:cNvSpPr txBox="1">
+            <a:spLocks noGrp="1"/>
+          </p:cNvSpPr>
           <p:nvPr>
-            <p:ph idx="12" type="sldNum"/>
+            <p:ph type="sldNum" idx="12"/>
           </p:nvPr>
         </p:nvSpPr>
         <p:spPr>
@@ -1509,7 +1709,7 @@
           </a:prstGeom>
         </p:spPr>
         <p:txBody>
-          <a:bodyPr anchorCtr="0" anchor="ctr" bIns="91425" lIns="91425" rIns="91425" tIns="91425">
+          <a:bodyPr lIns="91425" tIns="91425" rIns="91425" bIns="91425" anchor="ctr" anchorCtr="0">
             <a:noAutofit/>
           </a:bodyPr>
           <a:lstStyle/>
@@ -1522,8 +1722,9 @@
             </a:pPr>
             <a:fld id="{00000000-1234-1234-1234-123412341234}" type="slidenum">
               <a:rPr lang="pt-BR"/>
-              <a:t>‹#›</a:t>
+              <a:t>‹nº›</a:t>
             </a:fld>
+            <a:endParaRPr lang="pt-BR"/>
           </a:p>
         </p:txBody>
       </p:sp>
@@ -1536,11 +1737,11 @@
 </file>
 
 <file path=ppt/slideLayouts/slideLayout10.xml><?xml version="1.0" encoding="utf-8"?>
-<p:sldLayout xmlns:a="http://schemas.openxmlformats.org/drawingml/2006/main" xmlns:r="http://schemas.openxmlformats.org/officeDocument/2006/relationships" xmlns:mc="http://schemas.openxmlformats.org/markup-compatibility/2006" xmlns:mv="urn:schemas-microsoft-com:mac:vml" xmlns:p="http://schemas.openxmlformats.org/presentationml/2006/main" xmlns:c="http://schemas.openxmlformats.org/drawingml/2006/chart" xmlns:dgm="http://schemas.openxmlformats.org/drawingml/2006/diagram" xmlns:o="urn:schemas-microsoft-com:office:office" xmlns:v="urn:schemas-microsoft-com:vml" xmlns:pvml="urn:schemas-microsoft-com:office:powerpoint" xmlns:com="http://schemas.openxmlformats.org/drawingml/2006/compatibility" xmlns:p14="http://schemas.microsoft.com/office/powerpoint/2010/main">
+<p:sldLayout xmlns:a="http://schemas.openxmlformats.org/drawingml/2006/main" xmlns:r="http://schemas.openxmlformats.org/officeDocument/2006/relationships" xmlns:p="http://schemas.openxmlformats.org/presentationml/2006/main">
   <p:cSld name="Big number">
     <p:spTree>
       <p:nvGrpSpPr>
-        <p:cNvPr id="55" name="Shape 55"/>
+        <p:cNvPr id="1" name="Shape 55"/>
         <p:cNvGrpSpPr/>
         <p:nvPr/>
       </p:nvGrpSpPr>
@@ -1574,7 +1775,7 @@
           </a:ln>
         </p:spPr>
         <p:txBody>
-          <a:bodyPr anchorCtr="0" anchor="ctr" bIns="91425" lIns="91425" rIns="91425" tIns="91425">
+          <a:bodyPr lIns="91425" tIns="91425" rIns="91425" bIns="91425" anchor="ctr" anchorCtr="0">
             <a:noAutofit/>
           </a:bodyPr>
           <a:lstStyle/>
@@ -1585,9 +1786,6 @@
               </a:spcBef>
               <a:buNone/>
             </a:pPr>
-            <a:r>
-              <a:t/>
-            </a:r>
             <a:endParaRPr/>
           </a:p>
         </p:txBody>
@@ -1595,7 +1793,9 @@
       <p:sp>
         <p:nvSpPr>
           <p:cNvPr id="57" name="Shape 57"/>
-          <p:cNvSpPr txBox="1"/>
+          <p:cNvSpPr txBox="1">
+            <a:spLocks noGrp="1"/>
+          </p:cNvSpPr>
           <p:nvPr>
             <p:ph type="title"/>
           </p:nvPr>
@@ -1610,7 +1810,7 @@
           </a:prstGeom>
         </p:spPr>
         <p:txBody>
-          <a:bodyPr anchorCtr="0" anchor="ctr" bIns="91425" lIns="91425" rIns="91425" tIns="91425"/>
+          <a:bodyPr lIns="91425" tIns="91425" rIns="91425" bIns="91425" anchor="ctr" anchorCtr="0"/>
           <a:lstStyle>
             <a:lvl1pPr lvl="0" algn="ctr">
               <a:spcBef>
@@ -1739,15 +1939,19 @@
               </a:defRPr>
             </a:lvl9pPr>
           </a:lstStyle>
-          <a:p/>
+          <a:p>
+            <a:endParaRPr/>
+          </a:p>
         </p:txBody>
       </p:sp>
       <p:sp>
         <p:nvSpPr>
           <p:cNvPr id="58" name="Shape 58"/>
-          <p:cNvSpPr txBox="1"/>
+          <p:cNvSpPr txBox="1">
+            <a:spLocks noGrp="1"/>
+          </p:cNvSpPr>
           <p:nvPr>
-            <p:ph idx="1" type="body"/>
+            <p:ph type="body" idx="1"/>
           </p:nvPr>
         </p:nvSpPr>
         <p:spPr>
@@ -1760,7 +1964,7 @@
           </a:prstGeom>
         </p:spPr>
         <p:txBody>
-          <a:bodyPr anchorCtr="0" anchor="t" bIns="91425" lIns="91425" rIns="91425" tIns="91425"/>
+          <a:bodyPr lIns="91425" tIns="91425" rIns="91425" bIns="91425" anchor="t" anchorCtr="0"/>
           <a:lstStyle>
             <a:lvl1pPr lvl="0" algn="ctr">
               <a:spcBef>
@@ -1817,15 +2021,19 @@
               <a:defRPr/>
             </a:lvl9pPr>
           </a:lstStyle>
-          <a:p/>
+          <a:p>
+            <a:endParaRPr/>
+          </a:p>
         </p:txBody>
       </p:sp>
       <p:sp>
         <p:nvSpPr>
           <p:cNvPr id="59" name="Shape 59"/>
-          <p:cNvSpPr txBox="1"/>
+          <p:cNvSpPr txBox="1">
+            <a:spLocks noGrp="1"/>
+          </p:cNvSpPr>
           <p:nvPr>
-            <p:ph idx="12" type="sldNum"/>
+            <p:ph type="sldNum" idx="12"/>
           </p:nvPr>
         </p:nvSpPr>
         <p:spPr>
@@ -1838,7 +2046,7 @@
           </a:prstGeom>
         </p:spPr>
         <p:txBody>
-          <a:bodyPr anchorCtr="0" anchor="ctr" bIns="91425" lIns="91425" rIns="91425" tIns="91425">
+          <a:bodyPr lIns="91425" tIns="91425" rIns="91425" bIns="91425" anchor="ctr" anchorCtr="0">
             <a:noAutofit/>
           </a:bodyPr>
           <a:lstStyle/>
@@ -1851,8 +2059,9 @@
             </a:pPr>
             <a:fld id="{00000000-1234-1234-1234-123412341234}" type="slidenum">
               <a:rPr lang="pt-BR"/>
-              <a:t>‹#›</a:t>
+              <a:t>‹nº›</a:t>
             </a:fld>
+            <a:endParaRPr lang="pt-BR"/>
           </a:p>
         </p:txBody>
       </p:sp>
@@ -1865,11 +2074,11 @@
 </file>
 
 <file path=ppt/slideLayouts/slideLayout11.xml><?xml version="1.0" encoding="utf-8"?>
-<p:sldLayout xmlns:a="http://schemas.openxmlformats.org/drawingml/2006/main" xmlns:r="http://schemas.openxmlformats.org/officeDocument/2006/relationships" xmlns:mc="http://schemas.openxmlformats.org/markup-compatibility/2006" xmlns:mv="urn:schemas-microsoft-com:mac:vml" xmlns:p="http://schemas.openxmlformats.org/presentationml/2006/main" xmlns:c="http://schemas.openxmlformats.org/drawingml/2006/chart" xmlns:dgm="http://schemas.openxmlformats.org/drawingml/2006/diagram" xmlns:o="urn:schemas-microsoft-com:office:office" xmlns:v="urn:schemas-microsoft-com:vml" xmlns:pvml="urn:schemas-microsoft-com:office:powerpoint" xmlns:com="http://schemas.openxmlformats.org/drawingml/2006/compatibility" xmlns:p14="http://schemas.microsoft.com/office/powerpoint/2010/main" type="blank">
+<p:sldLayout xmlns:a="http://schemas.openxmlformats.org/drawingml/2006/main" xmlns:r="http://schemas.openxmlformats.org/officeDocument/2006/relationships" xmlns:p="http://schemas.openxmlformats.org/presentationml/2006/main" type="blank">
   <p:cSld name="Blank">
     <p:spTree>
       <p:nvGrpSpPr>
-        <p:cNvPr id="60" name="Shape 60"/>
+        <p:cNvPr id="1" name="Shape 60"/>
         <p:cNvGrpSpPr/>
         <p:nvPr/>
       </p:nvGrpSpPr>
@@ -1884,9 +2093,11 @@
       <p:sp>
         <p:nvSpPr>
           <p:cNvPr id="61" name="Shape 61"/>
-          <p:cNvSpPr txBox="1"/>
+          <p:cNvSpPr txBox="1">
+            <a:spLocks noGrp="1"/>
+          </p:cNvSpPr>
           <p:nvPr>
-            <p:ph idx="12" type="sldNum"/>
+            <p:ph type="sldNum" idx="12"/>
           </p:nvPr>
         </p:nvSpPr>
         <p:spPr>
@@ -1899,7 +2110,7 @@
           </a:prstGeom>
         </p:spPr>
         <p:txBody>
-          <a:bodyPr anchorCtr="0" anchor="ctr" bIns="91425" lIns="91425" rIns="91425" tIns="91425">
+          <a:bodyPr lIns="91425" tIns="91425" rIns="91425" bIns="91425" anchor="ctr" anchorCtr="0">
             <a:noAutofit/>
           </a:bodyPr>
           <a:lstStyle/>
@@ -1912,8 +2123,9 @@
             </a:pPr>
             <a:fld id="{00000000-1234-1234-1234-123412341234}" type="slidenum">
               <a:rPr lang="pt-BR"/>
-              <a:t>‹#›</a:t>
+              <a:t>‹nº›</a:t>
             </a:fld>
+            <a:endParaRPr lang="pt-BR"/>
           </a:p>
         </p:txBody>
       </p:sp>
@@ -1926,11 +2138,11 @@
 </file>
 
 <file path=ppt/slideLayouts/slideLayout2.xml><?xml version="1.0" encoding="utf-8"?>
-<p:sldLayout xmlns:a="http://schemas.openxmlformats.org/drawingml/2006/main" xmlns:r="http://schemas.openxmlformats.org/officeDocument/2006/relationships" xmlns:mc="http://schemas.openxmlformats.org/markup-compatibility/2006" xmlns:mv="urn:schemas-microsoft-com:mac:vml" xmlns:p="http://schemas.openxmlformats.org/presentationml/2006/main" xmlns:c="http://schemas.openxmlformats.org/drawingml/2006/chart" xmlns:dgm="http://schemas.openxmlformats.org/drawingml/2006/diagram" xmlns:o="urn:schemas-microsoft-com:office:office" xmlns:v="urn:schemas-microsoft-com:vml" xmlns:pvml="urn:schemas-microsoft-com:office:powerpoint" xmlns:com="http://schemas.openxmlformats.org/drawingml/2006/compatibility" xmlns:p14="http://schemas.microsoft.com/office/powerpoint/2010/main" type="secHead">
+<p:sldLayout xmlns:a="http://schemas.openxmlformats.org/drawingml/2006/main" xmlns:r="http://schemas.openxmlformats.org/officeDocument/2006/relationships" xmlns:p="http://schemas.openxmlformats.org/presentationml/2006/main" type="secHead">
   <p:cSld name="Section header">
     <p:spTree>
       <p:nvGrpSpPr>
-        <p:cNvPr id="21" name="Shape 21"/>
+        <p:cNvPr id="1" name="Shape 21"/>
         <p:cNvGrpSpPr/>
         <p:nvPr/>
       </p:nvGrpSpPr>
@@ -1964,7 +2176,7 @@
           </a:ln>
         </p:spPr>
         <p:txBody>
-          <a:bodyPr anchorCtr="0" anchor="ctr" bIns="91425" lIns="91425" rIns="91425" tIns="91425">
+          <a:bodyPr lIns="91425" tIns="91425" rIns="91425" bIns="91425" anchor="ctr" anchorCtr="0">
             <a:noAutofit/>
           </a:bodyPr>
           <a:lstStyle/>
@@ -1975,9 +2187,6 @@
               </a:spcBef>
               <a:buNone/>
             </a:pPr>
-            <a:r>
-              <a:t/>
-            </a:r>
             <a:endParaRPr/>
           </a:p>
         </p:txBody>
@@ -1985,7 +2194,9 @@
       <p:sp>
         <p:nvSpPr>
           <p:cNvPr id="23" name="Shape 23"/>
-          <p:cNvSpPr txBox="1"/>
+          <p:cNvSpPr txBox="1">
+            <a:spLocks noGrp="1"/>
+          </p:cNvSpPr>
           <p:nvPr>
             <p:ph type="title"/>
           </p:nvPr>
@@ -2000,7 +2211,7 @@
           </a:prstGeom>
         </p:spPr>
         <p:txBody>
-          <a:bodyPr anchorCtr="0" anchor="ctr" bIns="91425" lIns="91425" rIns="91425" tIns="91425"/>
+          <a:bodyPr lIns="91425" tIns="91425" rIns="91425" bIns="91425" anchor="ctr" anchorCtr="0"/>
           <a:lstStyle>
             <a:lvl1pPr lvl="0" algn="ctr">
               <a:spcBef>
@@ -2057,15 +2268,19 @@
               <a:defRPr/>
             </a:lvl9pPr>
           </a:lstStyle>
-          <a:p/>
+          <a:p>
+            <a:endParaRPr/>
+          </a:p>
         </p:txBody>
       </p:sp>
       <p:sp>
         <p:nvSpPr>
           <p:cNvPr id="24" name="Shape 24"/>
-          <p:cNvSpPr txBox="1"/>
+          <p:cNvSpPr txBox="1">
+            <a:spLocks noGrp="1"/>
+          </p:cNvSpPr>
           <p:nvPr>
-            <p:ph idx="12" type="sldNum"/>
+            <p:ph type="sldNum" idx="12"/>
           </p:nvPr>
         </p:nvSpPr>
         <p:spPr>
@@ -2078,7 +2293,7 @@
           </a:prstGeom>
         </p:spPr>
         <p:txBody>
-          <a:bodyPr anchorCtr="0" anchor="ctr" bIns="91425" lIns="91425" rIns="91425" tIns="91425">
+          <a:bodyPr lIns="91425" tIns="91425" rIns="91425" bIns="91425" anchor="ctr" anchorCtr="0">
             <a:noAutofit/>
           </a:bodyPr>
           <a:lstStyle/>
@@ -2095,8 +2310,13 @@
                   <a:schemeClr val="lt1"/>
                 </a:solidFill>
               </a:rPr>
-              <a:t>‹#›</a:t>
+              <a:t>‹nº›</a:t>
             </a:fld>
+            <a:endParaRPr lang="pt-BR">
+              <a:solidFill>
+                <a:schemeClr val="lt1"/>
+              </a:solidFill>
+            </a:endParaRPr>
           </a:p>
         </p:txBody>
       </p:sp>
@@ -2109,11 +2329,11 @@
 </file>
 
 <file path=ppt/slideLayouts/slideLayout3.xml><?xml version="1.0" encoding="utf-8"?>
-<p:sldLayout xmlns:a="http://schemas.openxmlformats.org/drawingml/2006/main" xmlns:r="http://schemas.openxmlformats.org/officeDocument/2006/relationships" xmlns:mc="http://schemas.openxmlformats.org/markup-compatibility/2006" xmlns:mv="urn:schemas-microsoft-com:mac:vml" xmlns:p="http://schemas.openxmlformats.org/presentationml/2006/main" xmlns:c="http://schemas.openxmlformats.org/drawingml/2006/chart" xmlns:dgm="http://schemas.openxmlformats.org/drawingml/2006/diagram" xmlns:o="urn:schemas-microsoft-com:office:office" xmlns:v="urn:schemas-microsoft-com:vml" xmlns:pvml="urn:schemas-microsoft-com:office:powerpoint" xmlns:com="http://schemas.openxmlformats.org/drawingml/2006/compatibility" xmlns:p14="http://schemas.microsoft.com/office/powerpoint/2010/main" type="tx">
+<p:sldLayout xmlns:a="http://schemas.openxmlformats.org/drawingml/2006/main" xmlns:r="http://schemas.openxmlformats.org/officeDocument/2006/relationships" xmlns:p="http://schemas.openxmlformats.org/presentationml/2006/main" type="tx">
   <p:cSld name="Title and body">
     <p:spTree>
       <p:nvGrpSpPr>
-        <p:cNvPr id="25" name="Shape 25"/>
+        <p:cNvPr id="1" name="Shape 25"/>
         <p:cNvGrpSpPr/>
         <p:nvPr/>
       </p:nvGrpSpPr>
@@ -2147,7 +2367,7 @@
           </a:ln>
         </p:spPr>
         <p:txBody>
-          <a:bodyPr anchorCtr="0" anchor="ctr" bIns="91425" lIns="91425" rIns="91425" tIns="91425">
+          <a:bodyPr lIns="91425" tIns="91425" rIns="91425" bIns="91425" anchor="ctr" anchorCtr="0">
             <a:noAutofit/>
           </a:bodyPr>
           <a:lstStyle/>
@@ -2158,9 +2378,6 @@
               </a:spcBef>
               <a:buNone/>
             </a:pPr>
-            <a:r>
-              <a:t/>
-            </a:r>
             <a:endParaRPr/>
           </a:p>
         </p:txBody>
@@ -2168,7 +2385,9 @@
       <p:sp>
         <p:nvSpPr>
           <p:cNvPr id="27" name="Shape 27"/>
-          <p:cNvSpPr txBox="1"/>
+          <p:cNvSpPr txBox="1">
+            <a:spLocks noGrp="1"/>
+          </p:cNvSpPr>
           <p:nvPr>
             <p:ph type="title"/>
           </p:nvPr>
@@ -2183,7 +2402,7 @@
           </a:prstGeom>
         </p:spPr>
         <p:txBody>
-          <a:bodyPr anchorCtr="0" anchor="t" bIns="91425" lIns="91425" rIns="91425" tIns="91425"/>
+          <a:bodyPr lIns="91425" tIns="91425" rIns="91425" bIns="91425" anchor="t" anchorCtr="0"/>
           <a:lstStyle>
             <a:lvl1pPr lvl="0">
               <a:spcBef>
@@ -2240,15 +2459,19 @@
               <a:defRPr/>
             </a:lvl9pPr>
           </a:lstStyle>
-          <a:p/>
+          <a:p>
+            <a:endParaRPr/>
+          </a:p>
         </p:txBody>
       </p:sp>
       <p:sp>
         <p:nvSpPr>
           <p:cNvPr id="28" name="Shape 28"/>
-          <p:cNvSpPr txBox="1"/>
+          <p:cNvSpPr txBox="1">
+            <a:spLocks noGrp="1"/>
+          </p:cNvSpPr>
           <p:nvPr>
-            <p:ph idx="1" type="body"/>
+            <p:ph type="body" idx="1"/>
           </p:nvPr>
         </p:nvSpPr>
         <p:spPr>
@@ -2261,7 +2484,7 @@
           </a:prstGeom>
         </p:spPr>
         <p:txBody>
-          <a:bodyPr anchorCtr="0" anchor="t" bIns="91425" lIns="91425" rIns="91425" tIns="91425"/>
+          <a:bodyPr lIns="91425" tIns="91425" rIns="91425" bIns="91425" anchor="t" anchorCtr="0"/>
           <a:lstStyle>
             <a:lvl1pPr lvl="0">
               <a:spcBef>
@@ -2318,15 +2541,19 @@
               <a:defRPr/>
             </a:lvl9pPr>
           </a:lstStyle>
-          <a:p/>
+          <a:p>
+            <a:endParaRPr/>
+          </a:p>
         </p:txBody>
       </p:sp>
       <p:sp>
         <p:nvSpPr>
           <p:cNvPr id="29" name="Shape 29"/>
-          <p:cNvSpPr txBox="1"/>
+          <p:cNvSpPr txBox="1">
+            <a:spLocks noGrp="1"/>
+          </p:cNvSpPr>
           <p:nvPr>
-            <p:ph idx="12" type="sldNum"/>
+            <p:ph type="sldNum" idx="12"/>
           </p:nvPr>
         </p:nvSpPr>
         <p:spPr>
@@ -2339,7 +2566,7 @@
           </a:prstGeom>
         </p:spPr>
         <p:txBody>
-          <a:bodyPr anchorCtr="0" anchor="ctr" bIns="91425" lIns="91425" rIns="91425" tIns="91425">
+          <a:bodyPr lIns="91425" tIns="91425" rIns="91425" bIns="91425" anchor="ctr" anchorCtr="0">
             <a:noAutofit/>
           </a:bodyPr>
           <a:lstStyle/>
@@ -2352,8 +2579,9 @@
             </a:pPr>
             <a:fld id="{00000000-1234-1234-1234-123412341234}" type="slidenum">
               <a:rPr lang="pt-BR"/>
-              <a:t>‹#›</a:t>
+              <a:t>‹nº›</a:t>
             </a:fld>
+            <a:endParaRPr lang="pt-BR"/>
           </a:p>
         </p:txBody>
       </p:sp>
@@ -2366,11 +2594,11 @@
 </file>
 
 <file path=ppt/slideLayouts/slideLayout4.xml><?xml version="1.0" encoding="utf-8"?>
-<p:sldLayout xmlns:a="http://schemas.openxmlformats.org/drawingml/2006/main" xmlns:r="http://schemas.openxmlformats.org/officeDocument/2006/relationships" xmlns:mc="http://schemas.openxmlformats.org/markup-compatibility/2006" xmlns:mv="urn:schemas-microsoft-com:mac:vml" xmlns:p="http://schemas.openxmlformats.org/presentationml/2006/main" xmlns:c="http://schemas.openxmlformats.org/drawingml/2006/chart" xmlns:dgm="http://schemas.openxmlformats.org/drawingml/2006/diagram" xmlns:o="urn:schemas-microsoft-com:office:office" xmlns:v="urn:schemas-microsoft-com:vml" xmlns:pvml="urn:schemas-microsoft-com:office:powerpoint" xmlns:com="http://schemas.openxmlformats.org/drawingml/2006/compatibility" xmlns:p14="http://schemas.microsoft.com/office/powerpoint/2010/main" type="twoColTx">
+<p:sldLayout xmlns:a="http://schemas.openxmlformats.org/drawingml/2006/main" xmlns:r="http://schemas.openxmlformats.org/officeDocument/2006/relationships" xmlns:p="http://schemas.openxmlformats.org/presentationml/2006/main" type="twoColTx">
   <p:cSld name="Title and two columns">
     <p:spTree>
       <p:nvGrpSpPr>
-        <p:cNvPr id="30" name="Shape 30"/>
+        <p:cNvPr id="1" name="Shape 30"/>
         <p:cNvGrpSpPr/>
         <p:nvPr/>
       </p:nvGrpSpPr>
@@ -2385,7 +2613,9 @@
       <p:sp>
         <p:nvSpPr>
           <p:cNvPr id="31" name="Shape 31"/>
-          <p:cNvSpPr txBox="1"/>
+          <p:cNvSpPr txBox="1">
+            <a:spLocks noGrp="1"/>
+          </p:cNvSpPr>
           <p:nvPr>
             <p:ph type="title"/>
           </p:nvPr>
@@ -2400,7 +2630,7 @@
           </a:prstGeom>
         </p:spPr>
         <p:txBody>
-          <a:bodyPr anchorCtr="0" anchor="t" bIns="91425" lIns="91425" rIns="91425" tIns="91425"/>
+          <a:bodyPr lIns="91425" tIns="91425" rIns="91425" bIns="91425" anchor="t" anchorCtr="0"/>
           <a:lstStyle>
             <a:lvl1pPr lvl="0">
               <a:spcBef>
@@ -2457,15 +2687,19 @@
               <a:defRPr/>
             </a:lvl9pPr>
           </a:lstStyle>
-          <a:p/>
+          <a:p>
+            <a:endParaRPr/>
+          </a:p>
         </p:txBody>
       </p:sp>
       <p:sp>
         <p:nvSpPr>
           <p:cNvPr id="32" name="Shape 32"/>
-          <p:cNvSpPr txBox="1"/>
+          <p:cNvSpPr txBox="1">
+            <a:spLocks noGrp="1"/>
+          </p:cNvSpPr>
           <p:nvPr>
-            <p:ph idx="1" type="body"/>
+            <p:ph type="body" idx="1"/>
           </p:nvPr>
         </p:nvSpPr>
         <p:spPr>
@@ -2478,7 +2712,7 @@
           </a:prstGeom>
         </p:spPr>
         <p:txBody>
-          <a:bodyPr anchorCtr="0" anchor="t" bIns="91425" lIns="91425" rIns="91425" tIns="91425"/>
+          <a:bodyPr lIns="91425" tIns="91425" rIns="91425" bIns="91425" anchor="t" anchorCtr="0"/>
           <a:lstStyle>
             <a:lvl1pPr lvl="0">
               <a:spcBef>
@@ -2544,15 +2778,19 @@
               <a:defRPr sz="1200"/>
             </a:lvl9pPr>
           </a:lstStyle>
-          <a:p/>
+          <a:p>
+            <a:endParaRPr/>
+          </a:p>
         </p:txBody>
       </p:sp>
       <p:sp>
         <p:nvSpPr>
           <p:cNvPr id="33" name="Shape 33"/>
-          <p:cNvSpPr txBox="1"/>
+          <p:cNvSpPr txBox="1">
+            <a:spLocks noGrp="1"/>
+          </p:cNvSpPr>
           <p:nvPr>
-            <p:ph idx="2" type="body"/>
+            <p:ph type="body" idx="2"/>
           </p:nvPr>
         </p:nvSpPr>
         <p:spPr>
@@ -2565,7 +2803,7 @@
           </a:prstGeom>
         </p:spPr>
         <p:txBody>
-          <a:bodyPr anchorCtr="0" anchor="t" bIns="91425" lIns="91425" rIns="91425" tIns="91425"/>
+          <a:bodyPr lIns="91425" tIns="91425" rIns="91425" bIns="91425" anchor="t" anchorCtr="0"/>
           <a:lstStyle>
             <a:lvl1pPr lvl="0">
               <a:spcBef>
@@ -2631,15 +2869,19 @@
               <a:defRPr sz="1200"/>
             </a:lvl9pPr>
           </a:lstStyle>
-          <a:p/>
+          <a:p>
+            <a:endParaRPr/>
+          </a:p>
         </p:txBody>
       </p:sp>
       <p:sp>
         <p:nvSpPr>
           <p:cNvPr id="34" name="Shape 34"/>
-          <p:cNvSpPr txBox="1"/>
+          <p:cNvSpPr txBox="1">
+            <a:spLocks noGrp="1"/>
+          </p:cNvSpPr>
           <p:nvPr>
-            <p:ph idx="12" type="sldNum"/>
+            <p:ph type="sldNum" idx="12"/>
           </p:nvPr>
         </p:nvSpPr>
         <p:spPr>
@@ -2652,7 +2894,7 @@
           </a:prstGeom>
         </p:spPr>
         <p:txBody>
-          <a:bodyPr anchorCtr="0" anchor="ctr" bIns="91425" lIns="91425" rIns="91425" tIns="91425">
+          <a:bodyPr lIns="91425" tIns="91425" rIns="91425" bIns="91425" anchor="ctr" anchorCtr="0">
             <a:noAutofit/>
           </a:bodyPr>
           <a:lstStyle/>
@@ -2665,8 +2907,9 @@
             </a:pPr>
             <a:fld id="{00000000-1234-1234-1234-123412341234}" type="slidenum">
               <a:rPr lang="pt-BR"/>
-              <a:t>‹#›</a:t>
+              <a:t>‹nº›</a:t>
             </a:fld>
+            <a:endParaRPr lang="pt-BR"/>
           </a:p>
         </p:txBody>
       </p:sp>
@@ -2679,11 +2922,11 @@
 </file>
 
 <file path=ppt/slideLayouts/slideLayout5.xml><?xml version="1.0" encoding="utf-8"?>
-<p:sldLayout xmlns:a="http://schemas.openxmlformats.org/drawingml/2006/main" xmlns:r="http://schemas.openxmlformats.org/officeDocument/2006/relationships" xmlns:mc="http://schemas.openxmlformats.org/markup-compatibility/2006" xmlns:mv="urn:schemas-microsoft-com:mac:vml" xmlns:p="http://schemas.openxmlformats.org/presentationml/2006/main" xmlns:c="http://schemas.openxmlformats.org/drawingml/2006/chart" xmlns:dgm="http://schemas.openxmlformats.org/drawingml/2006/diagram" xmlns:o="urn:schemas-microsoft-com:office:office" xmlns:v="urn:schemas-microsoft-com:vml" xmlns:pvml="urn:schemas-microsoft-com:office:powerpoint" xmlns:com="http://schemas.openxmlformats.org/drawingml/2006/compatibility" xmlns:p14="http://schemas.microsoft.com/office/powerpoint/2010/main" type="titleOnly">
+<p:sldLayout xmlns:a="http://schemas.openxmlformats.org/drawingml/2006/main" xmlns:r="http://schemas.openxmlformats.org/officeDocument/2006/relationships" xmlns:p="http://schemas.openxmlformats.org/presentationml/2006/main" type="titleOnly">
   <p:cSld name="Title only">
     <p:spTree>
       <p:nvGrpSpPr>
-        <p:cNvPr id="35" name="Shape 35"/>
+        <p:cNvPr id="1" name="Shape 35"/>
         <p:cNvGrpSpPr/>
         <p:nvPr/>
       </p:nvGrpSpPr>
@@ -2698,7 +2941,9 @@
       <p:sp>
         <p:nvSpPr>
           <p:cNvPr id="36" name="Shape 36"/>
-          <p:cNvSpPr txBox="1"/>
+          <p:cNvSpPr txBox="1">
+            <a:spLocks noGrp="1"/>
+          </p:cNvSpPr>
           <p:nvPr>
             <p:ph type="title"/>
           </p:nvPr>
@@ -2713,7 +2958,7 @@
           </a:prstGeom>
         </p:spPr>
         <p:txBody>
-          <a:bodyPr anchorCtr="0" anchor="t" bIns="91425" lIns="91425" rIns="91425" tIns="91425"/>
+          <a:bodyPr lIns="91425" tIns="91425" rIns="91425" bIns="91425" anchor="t" anchorCtr="0"/>
           <a:lstStyle>
             <a:lvl1pPr lvl="0">
               <a:spcBef>
@@ -2770,15 +3015,19 @@
               <a:defRPr/>
             </a:lvl9pPr>
           </a:lstStyle>
-          <a:p/>
+          <a:p>
+            <a:endParaRPr/>
+          </a:p>
         </p:txBody>
       </p:sp>
       <p:sp>
         <p:nvSpPr>
           <p:cNvPr id="37" name="Shape 37"/>
-          <p:cNvSpPr txBox="1"/>
+          <p:cNvSpPr txBox="1">
+            <a:spLocks noGrp="1"/>
+          </p:cNvSpPr>
           <p:nvPr>
-            <p:ph idx="12" type="sldNum"/>
+            <p:ph type="sldNum" idx="12"/>
           </p:nvPr>
         </p:nvSpPr>
         <p:spPr>
@@ -2791,7 +3040,7 @@
           </a:prstGeom>
         </p:spPr>
         <p:txBody>
-          <a:bodyPr anchorCtr="0" anchor="ctr" bIns="91425" lIns="91425" rIns="91425" tIns="91425">
+          <a:bodyPr lIns="91425" tIns="91425" rIns="91425" bIns="91425" anchor="ctr" anchorCtr="0">
             <a:noAutofit/>
           </a:bodyPr>
           <a:lstStyle/>
@@ -2804,8 +3053,9 @@
             </a:pPr>
             <a:fld id="{00000000-1234-1234-1234-123412341234}" type="slidenum">
               <a:rPr lang="pt-BR"/>
-              <a:t>‹#›</a:t>
+              <a:t>‹nº›</a:t>
             </a:fld>
+            <a:endParaRPr lang="pt-BR"/>
           </a:p>
         </p:txBody>
       </p:sp>
@@ -2818,11 +3068,11 @@
 </file>
 
 <file path=ppt/slideLayouts/slideLayout6.xml><?xml version="1.0" encoding="utf-8"?>
-<p:sldLayout xmlns:a="http://schemas.openxmlformats.org/drawingml/2006/main" xmlns:r="http://schemas.openxmlformats.org/officeDocument/2006/relationships" xmlns:mc="http://schemas.openxmlformats.org/markup-compatibility/2006" xmlns:mv="urn:schemas-microsoft-com:mac:vml" xmlns:p="http://schemas.openxmlformats.org/presentationml/2006/main" xmlns:c="http://schemas.openxmlformats.org/drawingml/2006/chart" xmlns:dgm="http://schemas.openxmlformats.org/drawingml/2006/diagram" xmlns:o="urn:schemas-microsoft-com:office:office" xmlns:v="urn:schemas-microsoft-com:vml" xmlns:pvml="urn:schemas-microsoft-com:office:powerpoint" xmlns:com="http://schemas.openxmlformats.org/drawingml/2006/compatibility" xmlns:p14="http://schemas.microsoft.com/office/powerpoint/2010/main">
+<p:sldLayout xmlns:a="http://schemas.openxmlformats.org/drawingml/2006/main" xmlns:r="http://schemas.openxmlformats.org/officeDocument/2006/relationships" xmlns:p="http://schemas.openxmlformats.org/presentationml/2006/main">
   <p:cSld name="One column text">
     <p:spTree>
       <p:nvGrpSpPr>
-        <p:cNvPr id="38" name="Shape 38"/>
+        <p:cNvPr id="1" name="Shape 38"/>
         <p:cNvGrpSpPr/>
         <p:nvPr/>
       </p:nvGrpSpPr>
@@ -2837,7 +3087,9 @@
       <p:sp>
         <p:nvSpPr>
           <p:cNvPr id="39" name="Shape 39"/>
-          <p:cNvSpPr txBox="1"/>
+          <p:cNvSpPr txBox="1">
+            <a:spLocks noGrp="1"/>
+          </p:cNvSpPr>
           <p:nvPr>
             <p:ph type="title"/>
           </p:nvPr>
@@ -2852,7 +3104,7 @@
           </a:prstGeom>
         </p:spPr>
         <p:txBody>
-          <a:bodyPr anchorCtr="0" anchor="b" bIns="91425" lIns="91425" rIns="91425" tIns="91425"/>
+          <a:bodyPr lIns="91425" tIns="91425" rIns="91425" bIns="91425" anchor="b" anchorCtr="0"/>
           <a:lstStyle>
             <a:lvl1pPr lvl="0">
               <a:spcBef>
@@ -2918,15 +3170,19 @@
               <a:defRPr sz="2400"/>
             </a:lvl9pPr>
           </a:lstStyle>
-          <a:p/>
+          <a:p>
+            <a:endParaRPr/>
+          </a:p>
         </p:txBody>
       </p:sp>
       <p:sp>
         <p:nvSpPr>
           <p:cNvPr id="40" name="Shape 40"/>
-          <p:cNvSpPr txBox="1"/>
+          <p:cNvSpPr txBox="1">
+            <a:spLocks noGrp="1"/>
+          </p:cNvSpPr>
           <p:nvPr>
-            <p:ph idx="1" type="body"/>
+            <p:ph type="body" idx="1"/>
           </p:nvPr>
         </p:nvSpPr>
         <p:spPr>
@@ -2939,7 +3195,7 @@
           </a:prstGeom>
         </p:spPr>
         <p:txBody>
-          <a:bodyPr anchorCtr="0" anchor="t" bIns="91425" lIns="91425" rIns="91425" tIns="91425"/>
+          <a:bodyPr lIns="91425" tIns="91425" rIns="91425" bIns="91425" anchor="t" anchorCtr="0"/>
           <a:lstStyle>
             <a:lvl1pPr lvl="0">
               <a:spcBef>
@@ -3005,15 +3261,19 @@
               <a:defRPr sz="1200"/>
             </a:lvl9pPr>
           </a:lstStyle>
-          <a:p/>
+          <a:p>
+            <a:endParaRPr/>
+          </a:p>
         </p:txBody>
       </p:sp>
       <p:sp>
         <p:nvSpPr>
           <p:cNvPr id="41" name="Shape 41"/>
-          <p:cNvSpPr txBox="1"/>
+          <p:cNvSpPr txBox="1">
+            <a:spLocks noGrp="1"/>
+          </p:cNvSpPr>
           <p:nvPr>
-            <p:ph idx="12" type="sldNum"/>
+            <p:ph type="sldNum" idx="12"/>
           </p:nvPr>
         </p:nvSpPr>
         <p:spPr>
@@ -3026,7 +3286,7 @@
           </a:prstGeom>
         </p:spPr>
         <p:txBody>
-          <a:bodyPr anchorCtr="0" anchor="ctr" bIns="91425" lIns="91425" rIns="91425" tIns="91425">
+          <a:bodyPr lIns="91425" tIns="91425" rIns="91425" bIns="91425" anchor="ctr" anchorCtr="0">
             <a:noAutofit/>
           </a:bodyPr>
           <a:lstStyle/>
@@ -3039,8 +3299,9 @@
             </a:pPr>
             <a:fld id="{00000000-1234-1234-1234-123412341234}" type="slidenum">
               <a:rPr lang="pt-BR"/>
-              <a:t>‹#›</a:t>
+              <a:t>‹nº›</a:t>
             </a:fld>
+            <a:endParaRPr lang="pt-BR"/>
           </a:p>
         </p:txBody>
       </p:sp>
@@ -3053,18 +3314,19 @@
 </file>
 
 <file path=ppt/slideLayouts/slideLayout7.xml><?xml version="1.0" encoding="utf-8"?>
-<p:sldLayout xmlns:a="http://schemas.openxmlformats.org/drawingml/2006/main" xmlns:r="http://schemas.openxmlformats.org/officeDocument/2006/relationships" xmlns:mc="http://schemas.openxmlformats.org/markup-compatibility/2006" xmlns:mv="urn:schemas-microsoft-com:mac:vml" xmlns:p="http://schemas.openxmlformats.org/presentationml/2006/main" xmlns:c="http://schemas.openxmlformats.org/drawingml/2006/chart" xmlns:dgm="http://schemas.openxmlformats.org/drawingml/2006/diagram" xmlns:o="urn:schemas-microsoft-com:office:office" xmlns:v="urn:schemas-microsoft-com:vml" xmlns:pvml="urn:schemas-microsoft-com:office:powerpoint" xmlns:com="http://schemas.openxmlformats.org/drawingml/2006/compatibility" xmlns:p14="http://schemas.microsoft.com/office/powerpoint/2010/main">
+<p:sldLayout xmlns:a="http://schemas.openxmlformats.org/drawingml/2006/main" xmlns:r="http://schemas.openxmlformats.org/officeDocument/2006/relationships" xmlns:p="http://schemas.openxmlformats.org/presentationml/2006/main">
   <p:cSld name="Main point">
     <p:bg>
       <p:bgPr>
         <a:solidFill>
           <a:schemeClr val="accent6"/>
         </a:solidFill>
+        <a:effectLst/>
       </p:bgPr>
     </p:bg>
     <p:spTree>
       <p:nvGrpSpPr>
-        <p:cNvPr id="42" name="Shape 42"/>
+        <p:cNvPr id="1" name="Shape 42"/>
         <p:cNvGrpSpPr/>
         <p:nvPr/>
       </p:nvGrpSpPr>
@@ -3079,7 +3341,9 @@
       <p:sp>
         <p:nvSpPr>
           <p:cNvPr id="43" name="Shape 43"/>
-          <p:cNvSpPr txBox="1"/>
+          <p:cNvSpPr txBox="1">
+            <a:spLocks noGrp="1"/>
+          </p:cNvSpPr>
           <p:nvPr>
             <p:ph type="title"/>
           </p:nvPr>
@@ -3094,7 +3358,7 @@
           </a:prstGeom>
         </p:spPr>
         <p:txBody>
-          <a:bodyPr anchorCtr="0" anchor="ctr" bIns="91425" lIns="91425" rIns="91425" tIns="91425"/>
+          <a:bodyPr lIns="91425" tIns="91425" rIns="91425" bIns="91425" anchor="ctr" anchorCtr="0"/>
           <a:lstStyle>
             <a:lvl1pPr lvl="0">
               <a:spcBef>
@@ -3104,7 +3368,7 @@
                 <a:schemeClr val="dk2"/>
               </a:buClr>
               <a:buSzPct val="100000"/>
-              <a:defRPr b="0" sz="5400">
+              <a:defRPr sz="5400" b="0">
                 <a:solidFill>
                   <a:schemeClr val="dk2"/>
                 </a:solidFill>
@@ -3118,7 +3382,7 @@
                 <a:schemeClr val="dk2"/>
               </a:buClr>
               <a:buSzPct val="100000"/>
-              <a:defRPr b="0" sz="5400">
+              <a:defRPr sz="5400" b="0">
                 <a:solidFill>
                   <a:schemeClr val="dk2"/>
                 </a:solidFill>
@@ -3132,7 +3396,7 @@
                 <a:schemeClr val="dk2"/>
               </a:buClr>
               <a:buSzPct val="100000"/>
-              <a:defRPr b="0" sz="5400">
+              <a:defRPr sz="5400" b="0">
                 <a:solidFill>
                   <a:schemeClr val="dk2"/>
                 </a:solidFill>
@@ -3146,7 +3410,7 @@
                 <a:schemeClr val="dk2"/>
               </a:buClr>
               <a:buSzPct val="100000"/>
-              <a:defRPr b="0" sz="5400">
+              <a:defRPr sz="5400" b="0">
                 <a:solidFill>
                   <a:schemeClr val="dk2"/>
                 </a:solidFill>
@@ -3160,7 +3424,7 @@
                 <a:schemeClr val="dk2"/>
               </a:buClr>
               <a:buSzPct val="100000"/>
-              <a:defRPr b="0" sz="5400">
+              <a:defRPr sz="5400" b="0">
                 <a:solidFill>
                   <a:schemeClr val="dk2"/>
                 </a:solidFill>
@@ -3174,7 +3438,7 @@
                 <a:schemeClr val="dk2"/>
               </a:buClr>
               <a:buSzPct val="100000"/>
-              <a:defRPr b="0" sz="5400">
+              <a:defRPr sz="5400" b="0">
                 <a:solidFill>
                   <a:schemeClr val="dk2"/>
                 </a:solidFill>
@@ -3188,7 +3452,7 @@
                 <a:schemeClr val="dk2"/>
               </a:buClr>
               <a:buSzPct val="100000"/>
-              <a:defRPr b="0" sz="5400">
+              <a:defRPr sz="5400" b="0">
                 <a:solidFill>
                   <a:schemeClr val="dk2"/>
                 </a:solidFill>
@@ -3202,7 +3466,7 @@
                 <a:schemeClr val="dk2"/>
               </a:buClr>
               <a:buSzPct val="100000"/>
-              <a:defRPr b="0" sz="5400">
+              <a:defRPr sz="5400" b="0">
                 <a:solidFill>
                   <a:schemeClr val="dk2"/>
                 </a:solidFill>
@@ -3216,22 +3480,26 @@
                 <a:schemeClr val="dk2"/>
               </a:buClr>
               <a:buSzPct val="100000"/>
-              <a:defRPr b="0" sz="5400">
+              <a:defRPr sz="5400" b="0">
                 <a:solidFill>
                   <a:schemeClr val="dk2"/>
                 </a:solidFill>
               </a:defRPr>
             </a:lvl9pPr>
           </a:lstStyle>
-          <a:p/>
+          <a:p>
+            <a:endParaRPr/>
+          </a:p>
         </p:txBody>
       </p:sp>
       <p:sp>
         <p:nvSpPr>
           <p:cNvPr id="44" name="Shape 44"/>
-          <p:cNvSpPr txBox="1"/>
+          <p:cNvSpPr txBox="1">
+            <a:spLocks noGrp="1"/>
+          </p:cNvSpPr>
           <p:nvPr>
-            <p:ph idx="12" type="sldNum"/>
+            <p:ph type="sldNum" idx="12"/>
           </p:nvPr>
         </p:nvSpPr>
         <p:spPr>
@@ -3244,7 +3512,7 @@
           </a:prstGeom>
         </p:spPr>
         <p:txBody>
-          <a:bodyPr anchorCtr="0" anchor="ctr" bIns="91425" lIns="91425" rIns="91425" tIns="91425">
+          <a:bodyPr lIns="91425" tIns="91425" rIns="91425" bIns="91425" anchor="ctr" anchorCtr="0">
             <a:noAutofit/>
           </a:bodyPr>
           <a:lstStyle/>
@@ -3257,8 +3525,9 @@
             </a:pPr>
             <a:fld id="{00000000-1234-1234-1234-123412341234}" type="slidenum">
               <a:rPr lang="pt-BR"/>
-              <a:t>‹#›</a:t>
+              <a:t>‹nº›</a:t>
             </a:fld>
+            <a:endParaRPr lang="pt-BR"/>
           </a:p>
         </p:txBody>
       </p:sp>
@@ -3271,11 +3540,11 @@
 </file>
 
 <file path=ppt/slideLayouts/slideLayout8.xml><?xml version="1.0" encoding="utf-8"?>
-<p:sldLayout xmlns:a="http://schemas.openxmlformats.org/drawingml/2006/main" xmlns:r="http://schemas.openxmlformats.org/officeDocument/2006/relationships" xmlns:mc="http://schemas.openxmlformats.org/markup-compatibility/2006" xmlns:mv="urn:schemas-microsoft-com:mac:vml" xmlns:p="http://schemas.openxmlformats.org/presentationml/2006/main" xmlns:c="http://schemas.openxmlformats.org/drawingml/2006/chart" xmlns:dgm="http://schemas.openxmlformats.org/drawingml/2006/diagram" xmlns:o="urn:schemas-microsoft-com:office:office" xmlns:v="urn:schemas-microsoft-com:vml" xmlns:pvml="urn:schemas-microsoft-com:office:powerpoint" xmlns:com="http://schemas.openxmlformats.org/drawingml/2006/compatibility" xmlns:p14="http://schemas.microsoft.com/office/powerpoint/2010/main">
+<p:sldLayout xmlns:a="http://schemas.openxmlformats.org/drawingml/2006/main" xmlns:r="http://schemas.openxmlformats.org/officeDocument/2006/relationships" xmlns:p="http://schemas.openxmlformats.org/presentationml/2006/main">
   <p:cSld name="Section title and description">
     <p:spTree>
       <p:nvGrpSpPr>
-        <p:cNvPr id="45" name="Shape 45"/>
+        <p:cNvPr id="1" name="Shape 45"/>
         <p:cNvGrpSpPr/>
         <p:nvPr/>
       </p:nvGrpSpPr>
@@ -3309,7 +3578,7 @@
           </a:ln>
         </p:spPr>
         <p:txBody>
-          <a:bodyPr anchorCtr="0" anchor="ctr" bIns="91425" lIns="91425" rIns="91425" tIns="91425">
+          <a:bodyPr lIns="91425" tIns="91425" rIns="91425" bIns="91425" anchor="ctr" anchorCtr="0">
             <a:noAutofit/>
           </a:bodyPr>
           <a:lstStyle/>
@@ -3320,9 +3589,6 @@
               </a:spcBef>
               <a:buNone/>
             </a:pPr>
-            <a:r>
-              <a:t/>
-            </a:r>
             <a:endParaRPr/>
           </a:p>
         </p:txBody>
@@ -3342,21 +3608,23 @@
             <a:avLst/>
           </a:prstGeom>
           <a:noFill/>
-          <a:ln cap="flat" cmpd="sng" w="19050">
+          <a:ln w="19050" cap="flat" cmpd="sng">
             <a:solidFill>
               <a:schemeClr val="lt1"/>
             </a:solidFill>
             <a:prstDash val="solid"/>
             <a:round/>
-            <a:headEnd len="med" w="med" type="none"/>
-            <a:tailEnd len="med" w="med" type="none"/>
+            <a:headEnd type="none" w="med" len="med"/>
+            <a:tailEnd type="none" w="med" len="med"/>
           </a:ln>
         </p:spPr>
       </p:cxnSp>
       <p:sp>
         <p:nvSpPr>
           <p:cNvPr id="48" name="Shape 48"/>
-          <p:cNvSpPr txBox="1"/>
+          <p:cNvSpPr txBox="1">
+            <a:spLocks noGrp="1"/>
+          </p:cNvSpPr>
           <p:nvPr>
             <p:ph type="title"/>
           </p:nvPr>
@@ -3371,7 +3639,7 @@
           </a:prstGeom>
         </p:spPr>
         <p:txBody>
-          <a:bodyPr anchorCtr="0" anchor="b" bIns="91425" lIns="91425" rIns="91425" tIns="91425"/>
+          <a:bodyPr lIns="91425" tIns="91425" rIns="91425" bIns="91425" anchor="b" anchorCtr="0"/>
           <a:lstStyle>
             <a:lvl1pPr lvl="0" algn="ctr">
               <a:spcBef>
@@ -3437,15 +3705,19 @@
               <a:defRPr sz="4200"/>
             </a:lvl9pPr>
           </a:lstStyle>
-          <a:p/>
+          <a:p>
+            <a:endParaRPr/>
+          </a:p>
         </p:txBody>
       </p:sp>
       <p:sp>
         <p:nvSpPr>
           <p:cNvPr id="49" name="Shape 49"/>
-          <p:cNvSpPr txBox="1"/>
+          <p:cNvSpPr txBox="1">
+            <a:spLocks noGrp="1"/>
+          </p:cNvSpPr>
           <p:nvPr>
-            <p:ph idx="1" type="subTitle"/>
+            <p:ph type="subTitle" idx="1"/>
           </p:nvPr>
         </p:nvSpPr>
         <p:spPr>
@@ -3458,7 +3730,7 @@
           </a:prstGeom>
         </p:spPr>
         <p:txBody>
-          <a:bodyPr anchorCtr="0" anchor="t" bIns="91425" lIns="91425" rIns="91425" tIns="91425"/>
+          <a:bodyPr lIns="91425" tIns="91425" rIns="91425" bIns="91425" anchor="t" anchorCtr="0"/>
           <a:lstStyle>
             <a:lvl1pPr lvl="0" algn="ctr">
               <a:lnSpc>
@@ -3587,15 +3859,19 @@
               <a:defRPr sz="2100"/>
             </a:lvl9pPr>
           </a:lstStyle>
-          <a:p/>
+          <a:p>
+            <a:endParaRPr/>
+          </a:p>
         </p:txBody>
       </p:sp>
       <p:sp>
         <p:nvSpPr>
           <p:cNvPr id="50" name="Shape 50"/>
-          <p:cNvSpPr txBox="1"/>
+          <p:cNvSpPr txBox="1">
+            <a:spLocks noGrp="1"/>
+          </p:cNvSpPr>
           <p:nvPr>
-            <p:ph idx="2" type="body"/>
+            <p:ph type="body" idx="2"/>
           </p:nvPr>
         </p:nvSpPr>
         <p:spPr>
@@ -3608,7 +3884,7 @@
           </a:prstGeom>
         </p:spPr>
         <p:txBody>
-          <a:bodyPr anchorCtr="0" anchor="ctr" bIns="91425" lIns="91425" rIns="91425" tIns="91425"/>
+          <a:bodyPr lIns="91425" tIns="91425" rIns="91425" bIns="91425" anchor="ctr" anchorCtr="0"/>
           <a:lstStyle>
             <a:lvl1pPr lvl="0">
               <a:spcBef>
@@ -3728,15 +4004,19 @@
               </a:defRPr>
             </a:lvl9pPr>
           </a:lstStyle>
-          <a:p/>
+          <a:p>
+            <a:endParaRPr/>
+          </a:p>
         </p:txBody>
       </p:sp>
       <p:sp>
         <p:nvSpPr>
           <p:cNvPr id="51" name="Shape 51"/>
-          <p:cNvSpPr txBox="1"/>
+          <p:cNvSpPr txBox="1">
+            <a:spLocks noGrp="1"/>
+          </p:cNvSpPr>
           <p:nvPr>
-            <p:ph idx="12" type="sldNum"/>
+            <p:ph type="sldNum" idx="12"/>
           </p:nvPr>
         </p:nvSpPr>
         <p:spPr>
@@ -3749,7 +4029,7 @@
           </a:prstGeom>
         </p:spPr>
         <p:txBody>
-          <a:bodyPr anchorCtr="0" anchor="ctr" bIns="91425" lIns="91425" rIns="91425" tIns="91425">
+          <a:bodyPr lIns="91425" tIns="91425" rIns="91425" bIns="91425" anchor="ctr" anchorCtr="0">
             <a:noAutofit/>
           </a:bodyPr>
           <a:lstStyle/>
@@ -3766,8 +4046,13 @@
                   <a:schemeClr val="lt1"/>
                 </a:solidFill>
               </a:rPr>
-              <a:t>‹#›</a:t>
+              <a:t>‹nº›</a:t>
             </a:fld>
+            <a:endParaRPr lang="pt-BR">
+              <a:solidFill>
+                <a:schemeClr val="lt1"/>
+              </a:solidFill>
+            </a:endParaRPr>
           </a:p>
         </p:txBody>
       </p:sp>
@@ -3780,11 +4065,11 @@
 </file>
 
 <file path=ppt/slideLayouts/slideLayout9.xml><?xml version="1.0" encoding="utf-8"?>
-<p:sldLayout xmlns:a="http://schemas.openxmlformats.org/drawingml/2006/main" xmlns:r="http://schemas.openxmlformats.org/officeDocument/2006/relationships" xmlns:mc="http://schemas.openxmlformats.org/markup-compatibility/2006" xmlns:mv="urn:schemas-microsoft-com:mac:vml" xmlns:p="http://schemas.openxmlformats.org/presentationml/2006/main" xmlns:c="http://schemas.openxmlformats.org/drawingml/2006/chart" xmlns:dgm="http://schemas.openxmlformats.org/drawingml/2006/diagram" xmlns:o="urn:schemas-microsoft-com:office:office" xmlns:v="urn:schemas-microsoft-com:vml" xmlns:pvml="urn:schemas-microsoft-com:office:powerpoint" xmlns:com="http://schemas.openxmlformats.org/drawingml/2006/compatibility" xmlns:p14="http://schemas.microsoft.com/office/powerpoint/2010/main">
+<p:sldLayout xmlns:a="http://schemas.openxmlformats.org/drawingml/2006/main" xmlns:r="http://schemas.openxmlformats.org/officeDocument/2006/relationships" xmlns:p="http://schemas.openxmlformats.org/presentationml/2006/main">
   <p:cSld name="Caption">
     <p:spTree>
       <p:nvGrpSpPr>
-        <p:cNvPr id="52" name="Shape 52"/>
+        <p:cNvPr id="1" name="Shape 52"/>
         <p:cNvGrpSpPr/>
         <p:nvPr/>
       </p:nvGrpSpPr>
@@ -3799,9 +4084,11 @@
       <p:sp>
         <p:nvSpPr>
           <p:cNvPr id="53" name="Shape 53"/>
-          <p:cNvSpPr txBox="1"/>
+          <p:cNvSpPr txBox="1">
+            <a:spLocks noGrp="1"/>
+          </p:cNvSpPr>
           <p:nvPr>
-            <p:ph idx="1" type="body"/>
+            <p:ph type="body" idx="1"/>
           </p:nvPr>
         </p:nvSpPr>
         <p:spPr>
@@ -3814,7 +4101,7 @@
           </a:prstGeom>
         </p:spPr>
         <p:txBody>
-          <a:bodyPr anchorCtr="0" anchor="ctr" bIns="91425" lIns="91425" rIns="91425" tIns="91425"/>
+          <a:bodyPr lIns="91425" tIns="91425" rIns="91425" bIns="91425" anchor="ctr" anchorCtr="0"/>
           <a:lstStyle>
             <a:lvl1pPr lvl="0">
               <a:lnSpc>
@@ -3837,15 +4124,19 @@
               </a:defRPr>
             </a:lvl1pPr>
           </a:lstStyle>
-          <a:p/>
+          <a:p>
+            <a:endParaRPr/>
+          </a:p>
         </p:txBody>
       </p:sp>
       <p:sp>
         <p:nvSpPr>
           <p:cNvPr id="54" name="Shape 54"/>
-          <p:cNvSpPr txBox="1"/>
+          <p:cNvSpPr txBox="1">
+            <a:spLocks noGrp="1"/>
+          </p:cNvSpPr>
           <p:nvPr>
-            <p:ph idx="12" type="sldNum"/>
+            <p:ph type="sldNum" idx="12"/>
           </p:nvPr>
         </p:nvSpPr>
         <p:spPr>
@@ -3858,7 +4149,7 @@
           </a:prstGeom>
         </p:spPr>
         <p:txBody>
-          <a:bodyPr anchorCtr="0" anchor="ctr" bIns="91425" lIns="91425" rIns="91425" tIns="91425">
+          <a:bodyPr lIns="91425" tIns="91425" rIns="91425" bIns="91425" anchor="ctr" anchorCtr="0">
             <a:noAutofit/>
           </a:bodyPr>
           <a:lstStyle/>
@@ -3871,8 +4162,9 @@
             </a:pPr>
             <a:fld id="{00000000-1234-1234-1234-123412341234}" type="slidenum">
               <a:rPr lang="pt-BR"/>
-              <a:t>‹#›</a:t>
+              <a:t>‹nº›</a:t>
             </a:fld>
+            <a:endParaRPr lang="pt-BR"/>
           </a:p>
         </p:txBody>
       </p:sp>
@@ -3885,18 +4177,19 @@
 </file>
 
 <file path=ppt/slideMasters/slideMaster1.xml><?xml version="1.0" encoding="utf-8"?>
-<p:sldMaster xmlns:a="http://schemas.openxmlformats.org/drawingml/2006/main" xmlns:r="http://schemas.openxmlformats.org/officeDocument/2006/relationships" xmlns:mc="http://schemas.openxmlformats.org/markup-compatibility/2006" xmlns:mv="urn:schemas-microsoft-com:mac:vml" xmlns:p="http://schemas.openxmlformats.org/presentationml/2006/main" xmlns:c="http://schemas.openxmlformats.org/drawingml/2006/chart" xmlns:dgm="http://schemas.openxmlformats.org/drawingml/2006/diagram" xmlns:o="urn:schemas-microsoft-com:office:office" xmlns:v="urn:schemas-microsoft-com:vml" xmlns:pvml="urn:schemas-microsoft-com:office:powerpoint" xmlns:com="http://schemas.openxmlformats.org/drawingml/2006/compatibility" xmlns:p14="http://schemas.microsoft.com/office/powerpoint/2010/main">
+<p:sldMaster xmlns:a="http://schemas.openxmlformats.org/drawingml/2006/main" xmlns:r="http://schemas.openxmlformats.org/officeDocument/2006/relationships" xmlns:p="http://schemas.openxmlformats.org/presentationml/2006/main">
   <p:cSld>
     <p:bg>
       <p:bgPr>
         <a:solidFill>
           <a:schemeClr val="lt1"/>
         </a:solidFill>
+        <a:effectLst/>
       </p:bgPr>
     </p:bg>
     <p:spTree>
       <p:nvGrpSpPr>
-        <p:cNvPr id="5" name="Shape 5"/>
+        <p:cNvPr id="1" name="Shape 5"/>
         <p:cNvGrpSpPr/>
         <p:nvPr/>
       </p:nvGrpSpPr>
@@ -3911,7 +4204,9 @@
       <p:sp>
         <p:nvSpPr>
           <p:cNvPr id="6" name="Shape 6"/>
-          <p:cNvSpPr txBox="1"/>
+          <p:cNvSpPr txBox="1">
+            <a:spLocks noGrp="1"/>
+          </p:cNvSpPr>
           <p:nvPr>
             <p:ph type="title"/>
           </p:nvPr>
@@ -3930,7 +4225,7 @@
           </a:ln>
         </p:spPr>
         <p:txBody>
-          <a:bodyPr anchorCtr="0" anchor="t" bIns="91425" lIns="91425" rIns="91425" tIns="91425"/>
+          <a:bodyPr lIns="91425" tIns="91425" rIns="91425" bIns="91425" anchor="t" anchorCtr="0"/>
           <a:lstStyle>
             <a:lvl1pPr lvl="0">
               <a:spcBef>
@@ -3942,7 +4237,7 @@
               <a:buSzPct val="100000"/>
               <a:buFont typeface="PT Sans Narrow"/>
               <a:buNone/>
-              <a:defRPr b="1" sz="3600">
+              <a:defRPr sz="3600" b="1">
                 <a:solidFill>
                   <a:schemeClr val="accent1"/>
                 </a:solidFill>
@@ -3962,7 +4257,7 @@
               <a:buSzPct val="100000"/>
               <a:buFont typeface="PT Sans Narrow"/>
               <a:buNone/>
-              <a:defRPr b="1" sz="3600">
+              <a:defRPr sz="3600" b="1">
                 <a:solidFill>
                   <a:schemeClr val="accent1"/>
                 </a:solidFill>
@@ -3982,7 +4277,7 @@
               <a:buSzPct val="100000"/>
               <a:buFont typeface="PT Sans Narrow"/>
               <a:buNone/>
-              <a:defRPr b="1" sz="3600">
+              <a:defRPr sz="3600" b="1">
                 <a:solidFill>
                   <a:schemeClr val="accent1"/>
                 </a:solidFill>
@@ -4002,7 +4297,7 @@
               <a:buSzPct val="100000"/>
               <a:buFont typeface="PT Sans Narrow"/>
               <a:buNone/>
-              <a:defRPr b="1" sz="3600">
+              <a:defRPr sz="3600" b="1">
                 <a:solidFill>
                   <a:schemeClr val="accent1"/>
                 </a:solidFill>
@@ -4022,7 +4317,7 @@
               <a:buSzPct val="100000"/>
               <a:buFont typeface="PT Sans Narrow"/>
               <a:buNone/>
-              <a:defRPr b="1" sz="3600">
+              <a:defRPr sz="3600" b="1">
                 <a:solidFill>
                   <a:schemeClr val="accent1"/>
                 </a:solidFill>
@@ -4042,7 +4337,7 @@
               <a:buSzPct val="100000"/>
               <a:buFont typeface="PT Sans Narrow"/>
               <a:buNone/>
-              <a:defRPr b="1" sz="3600">
+              <a:defRPr sz="3600" b="1">
                 <a:solidFill>
                   <a:schemeClr val="accent1"/>
                 </a:solidFill>
@@ -4062,7 +4357,7 @@
               <a:buSzPct val="100000"/>
               <a:buFont typeface="PT Sans Narrow"/>
               <a:buNone/>
-              <a:defRPr b="1" sz="3600">
+              <a:defRPr sz="3600" b="1">
                 <a:solidFill>
                   <a:schemeClr val="accent1"/>
                 </a:solidFill>
@@ -4082,7 +4377,7 @@
               <a:buSzPct val="100000"/>
               <a:buFont typeface="PT Sans Narrow"/>
               <a:buNone/>
-              <a:defRPr b="1" sz="3600">
+              <a:defRPr sz="3600" b="1">
                 <a:solidFill>
                   <a:schemeClr val="accent1"/>
                 </a:solidFill>
@@ -4102,7 +4397,7 @@
               <a:buSzPct val="100000"/>
               <a:buFont typeface="PT Sans Narrow"/>
               <a:buNone/>
-              <a:defRPr b="1" sz="3600">
+              <a:defRPr sz="3600" b="1">
                 <a:solidFill>
                   <a:schemeClr val="accent1"/>
                 </a:solidFill>
@@ -4113,15 +4408,19 @@
               </a:defRPr>
             </a:lvl9pPr>
           </a:lstStyle>
-          <a:p/>
+          <a:p>
+            <a:endParaRPr/>
+          </a:p>
         </p:txBody>
       </p:sp>
       <p:sp>
         <p:nvSpPr>
           <p:cNvPr id="7" name="Shape 7"/>
-          <p:cNvSpPr txBox="1"/>
+          <p:cNvSpPr txBox="1">
+            <a:spLocks noGrp="1"/>
+          </p:cNvSpPr>
           <p:nvPr>
-            <p:ph idx="1" type="body"/>
+            <p:ph type="body" idx="1"/>
           </p:nvPr>
         </p:nvSpPr>
         <p:spPr>
@@ -4138,7 +4437,7 @@
           </a:ln>
         </p:spPr>
         <p:txBody>
-          <a:bodyPr anchorCtr="0" anchor="t" bIns="91425" lIns="91425" rIns="91425" tIns="91425"/>
+          <a:bodyPr lIns="91425" tIns="91425" rIns="91425" bIns="91425" anchor="t" anchorCtr="0"/>
           <a:lstStyle>
             <a:lvl1pPr lvl="0">
               <a:lnSpc>
@@ -4358,15 +4657,19 @@
               </a:defRPr>
             </a:lvl9pPr>
           </a:lstStyle>
-          <a:p/>
+          <a:p>
+            <a:endParaRPr/>
+          </a:p>
         </p:txBody>
       </p:sp>
       <p:sp>
         <p:nvSpPr>
           <p:cNvPr id="8" name="Shape 8"/>
-          <p:cNvSpPr txBox="1"/>
+          <p:cNvSpPr txBox="1">
+            <a:spLocks noGrp="1"/>
+          </p:cNvSpPr>
           <p:nvPr>
-            <p:ph idx="12" type="sldNum"/>
+            <p:ph type="sldNum" idx="12"/>
           </p:nvPr>
         </p:nvSpPr>
         <p:spPr>
@@ -4383,7 +4686,7 @@
           </a:ln>
         </p:spPr>
         <p:txBody>
-          <a:bodyPr anchorCtr="0" anchor="ctr" bIns="91425" lIns="91425" rIns="91425" tIns="91425">
+          <a:bodyPr lIns="91425" tIns="91425" rIns="91425" bIns="91425" anchor="ctr" anchorCtr="0">
             <a:noAutofit/>
           </a:bodyPr>
           <a:lstStyle/>
@@ -4404,14 +4707,23 @@
                 <a:cs typeface="Open Sans"/>
                 <a:sym typeface="Open Sans"/>
               </a:rPr>
-              <a:t>‹#›</a:t>
+              <a:t>‹nº›</a:t>
             </a:fld>
+            <a:endParaRPr lang="pt-BR" sz="1000">
+              <a:solidFill>
+                <a:schemeClr val="dk2"/>
+              </a:solidFill>
+              <a:latin typeface="Open Sans"/>
+              <a:ea typeface="Open Sans"/>
+              <a:cs typeface="Open Sans"/>
+              <a:sym typeface="Open Sans"/>
+            </a:endParaRPr>
           </a:p>
         </p:txBody>
       </p:sp>
     </p:spTree>
   </p:cSld>
-  <p:clrMap accent1="accent1" accent2="accent2" accent3="accent3" accent4="accent4" accent5="accent5" accent6="accent6" bg1="lt1" bg2="dk2" tx1="dk1" tx2="lt2" folHlink="folHlink" hlink="hlink"/>
+  <p:clrMap bg1="lt1" tx1="dk1" bg2="dk2" tx2="lt2" accent1="accent1" accent2="accent2" accent3="accent3" accent4="accent4" accent5="accent5" accent6="accent6" hlink="hlink" folHlink="folHlink"/>
   <p:sldLayoutIdLst>
     <p:sldLayoutId id="2147483648" r:id="rId1"/>
     <p:sldLayoutId id="2147483649" r:id="rId2"/>
@@ -4425,10 +4737,10 @@
     <p:sldLayoutId id="2147483657" r:id="rId10"/>
     <p:sldLayoutId id="2147483658" r:id="rId11"/>
   </p:sldLayoutIdLst>
-  <p:hf dt="0" ftr="0" hdr="0" sldNum="0"/>
+  <p:hf sldNum="0" hdr="0" ftr="0" dt="0"/>
   <p:txStyles>
     <p:titleStyle>
-      <a:defPPr lvl="0" marR="0" rtl="0" algn="l">
+      <a:defPPr marR="0" lvl="0" algn="l" rtl="0">
         <a:lnSpc>
           <a:spcPct val="100000"/>
         </a:lnSpc>
@@ -4439,7 +4751,7 @@
           <a:spcPts val="0"/>
         </a:spcAft>
       </a:defPPr>
-      <a:lvl1pPr lvl="0" marR="0" rtl="0" algn="l">
+      <a:lvl1pPr marR="0" lvl="0" algn="l" rtl="0">
         <a:lnSpc>
           <a:spcPct val="100000"/>
         </a:lnSpc>
@@ -4450,7 +4762,7 @@
           <a:spcPts val="0"/>
         </a:spcAft>
         <a:buNone/>
-        <a:defRPr b="0" i="0" sz="1400" u="none" cap="none" strike="noStrike">
+        <a:defRPr sz="1400" b="0" i="0" u="none" strike="noStrike" cap="none">
           <a:solidFill>
             <a:srgbClr val="000000"/>
           </a:solidFill>
@@ -4462,7 +4774,7 @@
       </a:lvl1pPr>
     </p:titleStyle>
     <p:bodyStyle>
-      <a:defPPr lvl="0" marR="0" rtl="0" algn="l">
+      <a:defPPr marR="0" lvl="0" algn="l" rtl="0">
         <a:lnSpc>
           <a:spcPct val="100000"/>
         </a:lnSpc>
@@ -4473,7 +4785,7 @@
           <a:spcPts val="0"/>
         </a:spcAft>
       </a:defPPr>
-      <a:lvl1pPr lvl="0" marR="0" rtl="0" algn="l">
+      <a:lvl1pPr marR="0" lvl="0" algn="l" rtl="0">
         <a:lnSpc>
           <a:spcPct val="100000"/>
         </a:lnSpc>
@@ -4484,7 +4796,7 @@
           <a:spcPts val="0"/>
         </a:spcAft>
         <a:buNone/>
-        <a:defRPr b="0" i="0" sz="1400" u="none" cap="none" strike="noStrike">
+        <a:defRPr sz="1400" b="0" i="0" u="none" strike="noStrike" cap="none">
           <a:solidFill>
             <a:srgbClr val="000000"/>
           </a:solidFill>
@@ -4494,7 +4806,7 @@
           <a:sym typeface="Arial"/>
         </a:defRPr>
       </a:lvl1pPr>
-      <a:lvl2pPr lvl="1" marR="0" rtl="0" algn="l">
+      <a:lvl2pPr marR="0" lvl="1" algn="l" rtl="0">
         <a:lnSpc>
           <a:spcPct val="100000"/>
         </a:lnSpc>
@@ -4505,7 +4817,7 @@
           <a:spcPts val="0"/>
         </a:spcAft>
         <a:buNone/>
-        <a:defRPr b="0" i="0" sz="1400" u="none" cap="none" strike="noStrike">
+        <a:defRPr sz="1400" b="0" i="0" u="none" strike="noStrike" cap="none">
           <a:solidFill>
             <a:srgbClr val="000000"/>
           </a:solidFill>
@@ -4515,7 +4827,7 @@
           <a:sym typeface="Arial"/>
         </a:defRPr>
       </a:lvl2pPr>
-      <a:lvl3pPr lvl="2" marR="0" rtl="0" algn="l">
+      <a:lvl3pPr marR="0" lvl="2" algn="l" rtl="0">
         <a:lnSpc>
           <a:spcPct val="100000"/>
         </a:lnSpc>
@@ -4526,7 +4838,7 @@
           <a:spcPts val="0"/>
         </a:spcAft>
         <a:buNone/>
-        <a:defRPr b="0" i="0" sz="1400" u="none" cap="none" strike="noStrike">
+        <a:defRPr sz="1400" b="0" i="0" u="none" strike="noStrike" cap="none">
           <a:solidFill>
             <a:srgbClr val="000000"/>
           </a:solidFill>
@@ -4536,7 +4848,7 @@
           <a:sym typeface="Arial"/>
         </a:defRPr>
       </a:lvl3pPr>
-      <a:lvl4pPr lvl="3" marR="0" rtl="0" algn="l">
+      <a:lvl4pPr marR="0" lvl="3" algn="l" rtl="0">
         <a:lnSpc>
           <a:spcPct val="100000"/>
         </a:lnSpc>
@@ -4547,7 +4859,7 @@
           <a:spcPts val="0"/>
         </a:spcAft>
         <a:buNone/>
-        <a:defRPr b="0" i="0" sz="1400" u="none" cap="none" strike="noStrike">
+        <a:defRPr sz="1400" b="0" i="0" u="none" strike="noStrike" cap="none">
           <a:solidFill>
             <a:srgbClr val="000000"/>
           </a:solidFill>
@@ -4557,7 +4869,7 @@
           <a:sym typeface="Arial"/>
         </a:defRPr>
       </a:lvl4pPr>
-      <a:lvl5pPr lvl="4" marR="0" rtl="0" algn="l">
+      <a:lvl5pPr marR="0" lvl="4" algn="l" rtl="0">
         <a:lnSpc>
           <a:spcPct val="100000"/>
         </a:lnSpc>
@@ -4568,7 +4880,7 @@
           <a:spcPts val="0"/>
         </a:spcAft>
         <a:buNone/>
-        <a:defRPr b="0" i="0" sz="1400" u="none" cap="none" strike="noStrike">
+        <a:defRPr sz="1400" b="0" i="0" u="none" strike="noStrike" cap="none">
           <a:solidFill>
             <a:srgbClr val="000000"/>
           </a:solidFill>
@@ -4578,7 +4890,7 @@
           <a:sym typeface="Arial"/>
         </a:defRPr>
       </a:lvl5pPr>
-      <a:lvl6pPr lvl="5" marR="0" rtl="0" algn="l">
+      <a:lvl6pPr marR="0" lvl="5" algn="l" rtl="0">
         <a:lnSpc>
           <a:spcPct val="100000"/>
         </a:lnSpc>
@@ -4589,7 +4901,7 @@
           <a:spcPts val="0"/>
         </a:spcAft>
         <a:buNone/>
-        <a:defRPr b="0" i="0" sz="1400" u="none" cap="none" strike="noStrike">
+        <a:defRPr sz="1400" b="0" i="0" u="none" strike="noStrike" cap="none">
           <a:solidFill>
             <a:srgbClr val="000000"/>
           </a:solidFill>
@@ -4599,7 +4911,7 @@
           <a:sym typeface="Arial"/>
         </a:defRPr>
       </a:lvl6pPr>
-      <a:lvl7pPr lvl="6" marR="0" rtl="0" algn="l">
+      <a:lvl7pPr marR="0" lvl="6" algn="l" rtl="0">
         <a:lnSpc>
           <a:spcPct val="100000"/>
         </a:lnSpc>
@@ -4610,7 +4922,7 @@
           <a:spcPts val="0"/>
         </a:spcAft>
         <a:buNone/>
-        <a:defRPr b="0" i="0" sz="1400" u="none" cap="none" strike="noStrike">
+        <a:defRPr sz="1400" b="0" i="0" u="none" strike="noStrike" cap="none">
           <a:solidFill>
             <a:srgbClr val="000000"/>
           </a:solidFill>
@@ -4620,7 +4932,7 @@
           <a:sym typeface="Arial"/>
         </a:defRPr>
       </a:lvl7pPr>
-      <a:lvl8pPr lvl="7" marR="0" rtl="0" algn="l">
+      <a:lvl8pPr marR="0" lvl="7" algn="l" rtl="0">
         <a:lnSpc>
           <a:spcPct val="100000"/>
         </a:lnSpc>
@@ -4631,7 +4943,7 @@
           <a:spcPts val="0"/>
         </a:spcAft>
         <a:buNone/>
-        <a:defRPr b="0" i="0" sz="1400" u="none" cap="none" strike="noStrike">
+        <a:defRPr sz="1400" b="0" i="0" u="none" strike="noStrike" cap="none">
           <a:solidFill>
             <a:srgbClr val="000000"/>
           </a:solidFill>
@@ -4641,7 +4953,7 @@
           <a:sym typeface="Arial"/>
         </a:defRPr>
       </a:lvl8pPr>
-      <a:lvl9pPr lvl="8" marR="0" rtl="0" algn="l">
+      <a:lvl9pPr marR="0" lvl="8" algn="l" rtl="0">
         <a:lnSpc>
           <a:spcPct val="100000"/>
         </a:lnSpc>
@@ -4652,7 +4964,7 @@
           <a:spcPts val="0"/>
         </a:spcAft>
         <a:buNone/>
-        <a:defRPr b="0" i="0" sz="1400" u="none" cap="none" strike="noStrike">
+        <a:defRPr sz="1400" b="0" i="0" u="none" strike="noStrike" cap="none">
           <a:solidFill>
             <a:srgbClr val="000000"/>
           </a:solidFill>
@@ -4664,7 +4976,7 @@
       </a:lvl9pPr>
     </p:bodyStyle>
     <p:otherStyle>
-      <a:defPPr lvl="0" marR="0" rtl="0" algn="l">
+      <a:defPPr marR="0" lvl="0" algn="l" rtl="0">
         <a:lnSpc>
           <a:spcPct val="100000"/>
         </a:lnSpc>
@@ -4675,7 +4987,7 @@
           <a:spcPts val="0"/>
         </a:spcAft>
       </a:defPPr>
-      <a:lvl1pPr lvl="0" marR="0" rtl="0" algn="l">
+      <a:lvl1pPr marR="0" lvl="0" algn="l" rtl="0">
         <a:lnSpc>
           <a:spcPct val="100000"/>
         </a:lnSpc>
@@ -4686,7 +4998,7 @@
           <a:spcPts val="0"/>
         </a:spcAft>
         <a:buNone/>
-        <a:defRPr b="0" i="0" sz="1400" u="none" cap="none" strike="noStrike">
+        <a:defRPr sz="1400" b="0" i="0" u="none" strike="noStrike" cap="none">
           <a:solidFill>
             <a:srgbClr val="000000"/>
           </a:solidFill>
@@ -4696,7 +5008,7 @@
           <a:sym typeface="Arial"/>
         </a:defRPr>
       </a:lvl1pPr>
-      <a:lvl2pPr lvl="1" marR="0" rtl="0" algn="l">
+      <a:lvl2pPr marR="0" lvl="1" algn="l" rtl="0">
         <a:lnSpc>
           <a:spcPct val="100000"/>
         </a:lnSpc>
@@ -4707,7 +5019,7 @@
           <a:spcPts val="0"/>
         </a:spcAft>
         <a:buNone/>
-        <a:defRPr b="0" i="0" sz="1400" u="none" cap="none" strike="noStrike">
+        <a:defRPr sz="1400" b="0" i="0" u="none" strike="noStrike" cap="none">
           <a:solidFill>
             <a:srgbClr val="000000"/>
           </a:solidFill>
@@ -4717,7 +5029,7 @@
           <a:sym typeface="Arial"/>
         </a:defRPr>
       </a:lvl2pPr>
-      <a:lvl3pPr lvl="2" marR="0" rtl="0" algn="l">
+      <a:lvl3pPr marR="0" lvl="2" algn="l" rtl="0">
         <a:lnSpc>
           <a:spcPct val="100000"/>
         </a:lnSpc>
@@ -4728,7 +5040,7 @@
           <a:spcPts val="0"/>
         </a:spcAft>
         <a:buNone/>
-        <a:defRPr b="0" i="0" sz="1400" u="none" cap="none" strike="noStrike">
+        <a:defRPr sz="1400" b="0" i="0" u="none" strike="noStrike" cap="none">
           <a:solidFill>
             <a:srgbClr val="000000"/>
           </a:solidFill>
@@ -4738,7 +5050,7 @@
           <a:sym typeface="Arial"/>
         </a:defRPr>
       </a:lvl3pPr>
-      <a:lvl4pPr lvl="3" marR="0" rtl="0" algn="l">
+      <a:lvl4pPr marR="0" lvl="3" algn="l" rtl="0">
         <a:lnSpc>
           <a:spcPct val="100000"/>
         </a:lnSpc>
@@ -4749,7 +5061,7 @@
           <a:spcPts val="0"/>
         </a:spcAft>
         <a:buNone/>
-        <a:defRPr b="0" i="0" sz="1400" u="none" cap="none" strike="noStrike">
+        <a:defRPr sz="1400" b="0" i="0" u="none" strike="noStrike" cap="none">
           <a:solidFill>
             <a:srgbClr val="000000"/>
           </a:solidFill>
@@ -4759,7 +5071,7 @@
           <a:sym typeface="Arial"/>
         </a:defRPr>
       </a:lvl4pPr>
-      <a:lvl5pPr lvl="4" marR="0" rtl="0" algn="l">
+      <a:lvl5pPr marR="0" lvl="4" algn="l" rtl="0">
         <a:lnSpc>
           <a:spcPct val="100000"/>
         </a:lnSpc>
@@ -4770,7 +5082,7 @@
           <a:spcPts val="0"/>
         </a:spcAft>
         <a:buNone/>
-        <a:defRPr b="0" i="0" sz="1400" u="none" cap="none" strike="noStrike">
+        <a:defRPr sz="1400" b="0" i="0" u="none" strike="noStrike" cap="none">
           <a:solidFill>
             <a:srgbClr val="000000"/>
           </a:solidFill>
@@ -4780,7 +5092,7 @@
           <a:sym typeface="Arial"/>
         </a:defRPr>
       </a:lvl5pPr>
-      <a:lvl6pPr lvl="5" marR="0" rtl="0" algn="l">
+      <a:lvl6pPr marR="0" lvl="5" algn="l" rtl="0">
         <a:lnSpc>
           <a:spcPct val="100000"/>
         </a:lnSpc>
@@ -4791,7 +5103,7 @@
           <a:spcPts val="0"/>
         </a:spcAft>
         <a:buNone/>
-        <a:defRPr b="0" i="0" sz="1400" u="none" cap="none" strike="noStrike">
+        <a:defRPr sz="1400" b="0" i="0" u="none" strike="noStrike" cap="none">
           <a:solidFill>
             <a:srgbClr val="000000"/>
           </a:solidFill>
@@ -4801,7 +5113,7 @@
           <a:sym typeface="Arial"/>
         </a:defRPr>
       </a:lvl6pPr>
-      <a:lvl7pPr lvl="6" marR="0" rtl="0" algn="l">
+      <a:lvl7pPr marR="0" lvl="6" algn="l" rtl="0">
         <a:lnSpc>
           <a:spcPct val="100000"/>
         </a:lnSpc>
@@ -4812,7 +5124,7 @@
           <a:spcPts val="0"/>
         </a:spcAft>
         <a:buNone/>
-        <a:defRPr b="0" i="0" sz="1400" u="none" cap="none" strike="noStrike">
+        <a:defRPr sz="1400" b="0" i="0" u="none" strike="noStrike" cap="none">
           <a:solidFill>
             <a:srgbClr val="000000"/>
           </a:solidFill>
@@ -4822,7 +5134,7 @@
           <a:sym typeface="Arial"/>
         </a:defRPr>
       </a:lvl7pPr>
-      <a:lvl8pPr lvl="7" marR="0" rtl="0" algn="l">
+      <a:lvl8pPr marR="0" lvl="7" algn="l" rtl="0">
         <a:lnSpc>
           <a:spcPct val="100000"/>
         </a:lnSpc>
@@ -4833,7 +5145,7 @@
           <a:spcPts val="0"/>
         </a:spcAft>
         <a:buNone/>
-        <a:defRPr b="0" i="0" sz="1400" u="none" cap="none" strike="noStrike">
+        <a:defRPr sz="1400" b="0" i="0" u="none" strike="noStrike" cap="none">
           <a:solidFill>
             <a:srgbClr val="000000"/>
           </a:solidFill>
@@ -4843,7 +5155,7 @@
           <a:sym typeface="Arial"/>
         </a:defRPr>
       </a:lvl8pPr>
-      <a:lvl9pPr lvl="8" marR="0" rtl="0" algn="l">
+      <a:lvl9pPr marR="0" lvl="8" algn="l" rtl="0">
         <a:lnSpc>
           <a:spcPct val="100000"/>
         </a:lnSpc>
@@ -4854,7 +5166,7 @@
           <a:spcPts val="0"/>
         </a:spcAft>
         <a:buNone/>
-        <a:defRPr b="0" i="0" sz="1400" u="none" cap="none" strike="noStrike">
+        <a:defRPr sz="1400" b="0" i="0" u="none" strike="noStrike" cap="none">
           <a:solidFill>
             <a:srgbClr val="000000"/>
           </a:solidFill>
@@ -4870,11 +5182,11 @@
 </file>
 
 <file path=ppt/slides/slide1.xml><?xml version="1.0" encoding="utf-8"?>
-<p:sld xmlns:a="http://schemas.openxmlformats.org/drawingml/2006/main" xmlns:r="http://schemas.openxmlformats.org/officeDocument/2006/relationships" xmlns:mc="http://schemas.openxmlformats.org/markup-compatibility/2006" xmlns:mv="urn:schemas-microsoft-com:mac:vml" xmlns:p="http://schemas.openxmlformats.org/presentationml/2006/main" xmlns:c="http://schemas.openxmlformats.org/drawingml/2006/chart" xmlns:dgm="http://schemas.openxmlformats.org/drawingml/2006/diagram" xmlns:o="urn:schemas-microsoft-com:office:office" xmlns:v="urn:schemas-microsoft-com:vml" xmlns:pvml="urn:schemas-microsoft-com:office:powerpoint" xmlns:com="http://schemas.openxmlformats.org/drawingml/2006/compatibility" xmlns:p14="http://schemas.microsoft.com/office/powerpoint/2010/main">
+<p:sld xmlns:a="http://schemas.openxmlformats.org/drawingml/2006/main" xmlns:r="http://schemas.openxmlformats.org/officeDocument/2006/relationships" xmlns:p="http://schemas.openxmlformats.org/presentationml/2006/main">
   <p:cSld>
     <p:spTree>
       <p:nvGrpSpPr>
-        <p:cNvPr id="65" name="Shape 65"/>
+        <p:cNvPr id="1" name="Shape 65"/>
         <p:cNvGrpSpPr/>
         <p:nvPr/>
       </p:nvGrpSpPr>
@@ -4889,7 +5201,9 @@
       <p:sp>
         <p:nvSpPr>
           <p:cNvPr id="66" name="Shape 66"/>
-          <p:cNvSpPr txBox="1"/>
+          <p:cNvSpPr txBox="1">
+            <a:spLocks noGrp="1"/>
+          </p:cNvSpPr>
           <p:nvPr>
             <p:ph type="ctrTitle"/>
           </p:nvPr>
@@ -4904,7 +5218,7 @@
           </a:prstGeom>
         </p:spPr>
         <p:txBody>
-          <a:bodyPr anchorCtr="0" anchor="b" bIns="91425" lIns="91425" rIns="91425" tIns="91425">
+          <a:bodyPr lIns="91425" tIns="91425" rIns="91425" bIns="91425" anchor="b" anchorCtr="0">
             <a:noAutofit/>
           </a:bodyPr>
           <a:lstStyle/>
@@ -4925,9 +5239,11 @@
       <p:sp>
         <p:nvSpPr>
           <p:cNvPr id="67" name="Shape 67"/>
-          <p:cNvSpPr txBox="1"/>
+          <p:cNvSpPr txBox="1">
+            <a:spLocks noGrp="1"/>
+          </p:cNvSpPr>
           <p:nvPr>
-            <p:ph idx="1" type="subTitle"/>
+            <p:ph type="subTitle" idx="1"/>
           </p:nvPr>
         </p:nvSpPr>
         <p:spPr>
@@ -4940,7 +5256,7 @@
           </a:prstGeom>
         </p:spPr>
         <p:txBody>
-          <a:bodyPr anchorCtr="0" anchor="t" bIns="91425" lIns="91425" rIns="91425" tIns="91425">
+          <a:bodyPr lIns="91425" tIns="91425" rIns="91425" bIns="91425" anchor="t" anchorCtr="0">
             <a:noAutofit/>
           </a:bodyPr>
           <a:lstStyle/>
@@ -4982,11 +5298,11 @@
 </file>
 
 <file path=ppt/slides/slide2.xml><?xml version="1.0" encoding="utf-8"?>
-<p:sld xmlns:a="http://schemas.openxmlformats.org/drawingml/2006/main" xmlns:r="http://schemas.openxmlformats.org/officeDocument/2006/relationships" xmlns:mc="http://schemas.openxmlformats.org/markup-compatibility/2006" xmlns:mv="urn:schemas-microsoft-com:mac:vml" xmlns:p="http://schemas.openxmlformats.org/presentationml/2006/main" xmlns:c="http://schemas.openxmlformats.org/drawingml/2006/chart" xmlns:dgm="http://schemas.openxmlformats.org/drawingml/2006/diagram" xmlns:o="urn:schemas-microsoft-com:office:office" xmlns:v="urn:schemas-microsoft-com:vml" xmlns:pvml="urn:schemas-microsoft-com:office:powerpoint" xmlns:com="http://schemas.openxmlformats.org/drawingml/2006/compatibility" xmlns:p14="http://schemas.microsoft.com/office/powerpoint/2010/main">
+<p:sld xmlns:a="http://schemas.openxmlformats.org/drawingml/2006/main" xmlns:r="http://schemas.openxmlformats.org/officeDocument/2006/relationships" xmlns:p="http://schemas.openxmlformats.org/presentationml/2006/main">
   <p:cSld>
     <p:spTree>
       <p:nvGrpSpPr>
-        <p:cNvPr id="71" name="Shape 71"/>
+        <p:cNvPr id="1" name="Shape 71"/>
         <p:cNvGrpSpPr/>
         <p:nvPr/>
       </p:nvGrpSpPr>
@@ -5001,7 +5317,9 @@
       <p:sp>
         <p:nvSpPr>
           <p:cNvPr id="72" name="Shape 72"/>
-          <p:cNvSpPr txBox="1"/>
+          <p:cNvSpPr txBox="1">
+            <a:spLocks noGrp="1"/>
+          </p:cNvSpPr>
           <p:nvPr>
             <p:ph type="title"/>
           </p:nvPr>
@@ -5016,7 +5334,7 @@
           </a:prstGeom>
         </p:spPr>
         <p:txBody>
-          <a:bodyPr anchorCtr="0" anchor="t" bIns="91425" lIns="91425" rIns="91425" tIns="91425">
+          <a:bodyPr lIns="91425" tIns="91425" rIns="91425" bIns="91425" anchor="t" anchorCtr="0">
             <a:noAutofit/>
           </a:bodyPr>
           <a:lstStyle/>
@@ -5039,9 +5357,6 @@
               </a:spcBef>
               <a:buNone/>
             </a:pPr>
-            <a:r>
-              <a:t/>
-            </a:r>
             <a:endParaRPr/>
           </a:p>
         </p:txBody>
@@ -5049,9 +5364,11 @@
       <p:sp>
         <p:nvSpPr>
           <p:cNvPr id="73" name="Shape 73"/>
-          <p:cNvSpPr txBox="1"/>
+          <p:cNvSpPr txBox="1">
+            <a:spLocks noGrp="1"/>
+          </p:cNvSpPr>
           <p:nvPr>
-            <p:ph idx="1" type="body"/>
+            <p:ph type="body" idx="1"/>
           </p:nvPr>
         </p:nvSpPr>
         <p:spPr>
@@ -5064,77 +5381,87 @@
           </a:prstGeom>
         </p:spPr>
         <p:txBody>
-          <a:bodyPr anchorCtr="0" anchor="t" bIns="91425" lIns="91425" rIns="91425" tIns="91425">
+          <a:bodyPr lIns="91425" tIns="91425" rIns="91425" bIns="91425" anchor="t" anchorCtr="0">
             <a:noAutofit/>
           </a:bodyPr>
           <a:lstStyle/>
           <a:p>
-            <a:pPr indent="-228600" lvl="0" marL="457200" rtl="0" algn="just">
-              <a:spcBef>
-                <a:spcPts val="0"/>
-              </a:spcBef>
+            <a:pPr marL="514350" lvl="0" indent="-285750" algn="just" rtl="0">
+              <a:spcBef>
+                <a:spcPts val="0"/>
+              </a:spcBef>
+              <a:buFont typeface="Courier New" panose="02070309020205020404" pitchFamily="49" charset="0"/>
+              <a:buChar char="o"/>
             </a:pPr>
             <a:r>
-              <a:rPr lang="pt-BR"/>
+              <a:rPr lang="pt-BR" dirty="0"/>
               <a:t>Uma empresa de aluguel de veículos deseja abrir uma filial;</a:t>
             </a:r>
           </a:p>
           <a:p>
-            <a:pPr indent="-228600" lvl="0" marL="457200" rtl="0" algn="just">
-              <a:spcBef>
-                <a:spcPts val="0"/>
-              </a:spcBef>
+            <a:pPr marL="514350" lvl="0" indent="-285750" algn="just" rtl="0">
+              <a:spcBef>
+                <a:spcPts val="0"/>
+              </a:spcBef>
+              <a:buFont typeface="Courier New" panose="02070309020205020404" pitchFamily="49" charset="0"/>
+              <a:buChar char="o"/>
             </a:pPr>
             <a:r>
-              <a:rPr lang="pt-BR"/>
+              <a:rPr lang="pt-BR" dirty="0"/>
               <a:t>Grande utilização do transporte de aluguel, devido à comodidade e alto fluxo de turistas;</a:t>
             </a:r>
           </a:p>
           <a:p>
-            <a:pPr indent="-228600" lvl="0" marL="457200" rtl="0" algn="just">
-              <a:spcBef>
-                <a:spcPts val="0"/>
-              </a:spcBef>
+            <a:pPr marL="514350" lvl="0" indent="-285750" algn="just" rtl="0">
+              <a:spcBef>
+                <a:spcPts val="0"/>
+              </a:spcBef>
+              <a:buFont typeface="Courier New" panose="02070309020205020404" pitchFamily="49" charset="0"/>
+              <a:buChar char="o"/>
             </a:pPr>
             <a:r>
-              <a:rPr lang="pt-BR"/>
+              <a:rPr lang="pt-BR" dirty="0"/>
               <a:t>Foi feito um estudo prévio para saber qual categorias eram mais solicitadas pelos consumidores daquela cidade;</a:t>
             </a:r>
           </a:p>
           <a:p>
-            <a:pPr indent="-228600" lvl="0" marL="457200" rtl="0" algn="just">
-              <a:spcBef>
-                <a:spcPts val="0"/>
-              </a:spcBef>
+            <a:pPr marL="514350" lvl="0" indent="-285750" algn="just" rtl="0">
+              <a:spcBef>
+                <a:spcPts val="0"/>
+              </a:spcBef>
+              <a:buFont typeface="Courier New" panose="02070309020205020404" pitchFamily="49" charset="0"/>
+              <a:buChar char="o"/>
             </a:pPr>
             <a:r>
-              <a:rPr lang="pt-BR"/>
-              <a:t>A partir disso foi usado usado classificadores para se chegar a essas categorias.</a:t>
+              <a:rPr lang="pt-BR" dirty="0"/>
+              <a:t>A partir disso foi usado </a:t>
             </a:r>
-          </a:p>
-          <a:p>
-            <a:pPr indent="0" lvl="0" marL="457200" rtl="0">
+            <a:r>
+              <a:rPr lang="pt-BR" dirty="0" err="1"/>
+              <a:t>usado</a:t>
+            </a:r>
+            <a:r>
+              <a:rPr lang="pt-BR" dirty="0"/>
+              <a:t> classificadores para se chegar a essas categorias.</a:t>
+            </a:r>
+          </a:p>
+          <a:p>
+            <a:pPr marL="457200" lvl="0" indent="0" rtl="0">
               <a:spcBef>
                 <a:spcPts val="0"/>
               </a:spcBef>
               <a:buNone/>
             </a:pPr>
-            <a:r>
-              <a:t/>
-            </a:r>
-            <a:endParaRPr/>
-          </a:p>
-          <a:p>
-            <a:pPr indent="0" lvl="0" marL="457200">
+            <a:endParaRPr dirty="0"/>
+          </a:p>
+          <a:p>
+            <a:pPr marL="457200" lvl="0" indent="0">
               <a:spcBef>
                 <a:spcPts val="0"/>
               </a:spcBef>
               <a:buNone/>
             </a:pPr>
-            <a:r>
-              <a:t/>
-            </a:r>
-            <a:endParaRPr/>
+            <a:endParaRPr dirty="0"/>
           </a:p>
         </p:txBody>
       </p:sp>
@@ -5150,11 +5477,11 @@
 </file>
 
 <file path=ppt/slides/slide3.xml><?xml version="1.0" encoding="utf-8"?>
-<p:sld xmlns:a="http://schemas.openxmlformats.org/drawingml/2006/main" xmlns:r="http://schemas.openxmlformats.org/officeDocument/2006/relationships" xmlns:mc="http://schemas.openxmlformats.org/markup-compatibility/2006" xmlns:mv="urn:schemas-microsoft-com:mac:vml" xmlns:p="http://schemas.openxmlformats.org/presentationml/2006/main" xmlns:c="http://schemas.openxmlformats.org/drawingml/2006/chart" xmlns:dgm="http://schemas.openxmlformats.org/drawingml/2006/diagram" xmlns:o="urn:schemas-microsoft-com:office:office" xmlns:v="urn:schemas-microsoft-com:vml" xmlns:pvml="urn:schemas-microsoft-com:office:powerpoint" xmlns:com="http://schemas.openxmlformats.org/drawingml/2006/compatibility" xmlns:p14="http://schemas.microsoft.com/office/powerpoint/2010/main">
+<p:sld xmlns:a="http://schemas.openxmlformats.org/drawingml/2006/main" xmlns:r="http://schemas.openxmlformats.org/officeDocument/2006/relationships" xmlns:p="http://schemas.openxmlformats.org/presentationml/2006/main">
   <p:cSld>
     <p:spTree>
       <p:nvGrpSpPr>
-        <p:cNvPr id="77" name="Shape 77"/>
+        <p:cNvPr id="1" name="Shape 77"/>
         <p:cNvGrpSpPr/>
         <p:nvPr/>
       </p:nvGrpSpPr>
@@ -5169,7 +5496,9 @@
       <p:sp>
         <p:nvSpPr>
           <p:cNvPr id="78" name="Shape 78"/>
-          <p:cNvSpPr txBox="1"/>
+          <p:cNvSpPr txBox="1">
+            <a:spLocks noGrp="1"/>
+          </p:cNvSpPr>
           <p:nvPr>
             <p:ph type="title"/>
           </p:nvPr>
@@ -5184,7 +5513,7 @@
           </a:prstGeom>
         </p:spPr>
         <p:txBody>
-          <a:bodyPr anchorCtr="0" anchor="t" bIns="91425" lIns="91425" rIns="91425" tIns="91425">
+          <a:bodyPr lIns="91425" tIns="91425" rIns="91425" bIns="91425" anchor="t" anchorCtr="0">
             <a:noAutofit/>
           </a:bodyPr>
           <a:lstStyle/>
@@ -5205,14 +5534,16 @@
       <p:sp>
         <p:nvSpPr>
           <p:cNvPr id="79" name="Shape 79"/>
-          <p:cNvSpPr txBox="1"/>
+          <p:cNvSpPr txBox="1">
+            <a:spLocks noGrp="1"/>
+          </p:cNvSpPr>
           <p:nvPr>
-            <p:ph idx="1" type="body"/>
+            <p:ph type="body" idx="1"/>
           </p:nvPr>
         </p:nvSpPr>
         <p:spPr>
           <a:xfrm>
-            <a:off x="311700" y="1266325"/>
+            <a:off x="311700" y="1069298"/>
             <a:ext cx="8520600" cy="3302700"/>
           </a:xfrm>
           <a:prstGeom prst="rect">
@@ -5220,107 +5551,141 @@
           </a:prstGeom>
         </p:spPr>
         <p:txBody>
-          <a:bodyPr anchorCtr="0" anchor="t" bIns="91425" lIns="91425" rIns="91425" tIns="91425">
+          <a:bodyPr lIns="91425" tIns="91425" rIns="91425" bIns="91425" anchor="t" anchorCtr="0">
             <a:noAutofit/>
           </a:bodyPr>
           <a:lstStyle/>
           <a:p>
-            <a:pPr indent="-228600" lvl="0" marL="457200" rtl="0">
-              <a:spcBef>
-                <a:spcPts val="0"/>
-              </a:spcBef>
+            <a:pPr marL="514350" lvl="0" indent="-285750" rtl="0">
+              <a:spcBef>
+                <a:spcPts val="0"/>
+              </a:spcBef>
+              <a:buFont typeface="Courier New" panose="02070309020205020404" pitchFamily="49" charset="0"/>
+              <a:buChar char="o"/>
             </a:pPr>
             <a:r>
-              <a:rPr lang="pt-BR"/>
+              <a:rPr lang="pt-BR" sz="1400" dirty="0"/>
               <a:t>Foram usados 60 carros para a base de dados;</a:t>
             </a:r>
           </a:p>
           <a:p>
-            <a:pPr indent="-228600" lvl="0" marL="457200" rtl="0">
-              <a:spcBef>
-                <a:spcPts val="0"/>
-              </a:spcBef>
+            <a:pPr marL="514350" lvl="0" indent="-285750" rtl="0">
+              <a:spcBef>
+                <a:spcPts val="0"/>
+              </a:spcBef>
+              <a:buFont typeface="Courier New" panose="02070309020205020404" pitchFamily="49" charset="0"/>
+              <a:buChar char="o"/>
             </a:pPr>
             <a:r>
-              <a:rPr lang="pt-BR"/>
+              <a:rPr lang="pt-BR" sz="1400" dirty="0"/>
               <a:t>As classes nominais escolhidas são 3 categorias:</a:t>
             </a:r>
           </a:p>
           <a:p>
-            <a:pPr indent="-228600" lvl="1" marL="914400" rtl="0">
-              <a:spcBef>
-                <a:spcPts val="0"/>
-              </a:spcBef>
+            <a:pPr marL="971550" lvl="1" indent="-285750" rtl="0">
+              <a:spcBef>
+                <a:spcPts val="0"/>
+              </a:spcBef>
+              <a:buFont typeface="Courier New" panose="02070309020205020404" pitchFamily="49" charset="0"/>
+              <a:buChar char="o"/>
             </a:pPr>
             <a:r>
-              <a:rPr lang="pt-BR"/>
+              <a:rPr lang="pt-BR" dirty="0"/>
               <a:t>Popular;</a:t>
             </a:r>
           </a:p>
           <a:p>
-            <a:pPr indent="-228600" lvl="1" marL="914400" rtl="0">
-              <a:spcBef>
-                <a:spcPts val="0"/>
-              </a:spcBef>
+            <a:pPr marL="971550" lvl="1" indent="-285750" rtl="0">
+              <a:spcBef>
+                <a:spcPts val="0"/>
+              </a:spcBef>
+              <a:buFont typeface="Courier New" panose="02070309020205020404" pitchFamily="49" charset="0"/>
+              <a:buChar char="o"/>
             </a:pPr>
             <a:r>
-              <a:rPr lang="pt-BR"/>
+              <a:rPr lang="pt-BR" dirty="0"/>
               <a:t>SUV;</a:t>
             </a:r>
           </a:p>
           <a:p>
-            <a:pPr indent="-228600" lvl="1" marL="914400" rtl="0">
-              <a:spcBef>
-                <a:spcPts val="0"/>
-              </a:spcBef>
+            <a:pPr marL="971550" lvl="1" indent="-285750" rtl="0">
+              <a:spcBef>
+                <a:spcPts val="0"/>
+              </a:spcBef>
+              <a:buFont typeface="Courier New" panose="02070309020205020404" pitchFamily="49" charset="0"/>
+              <a:buChar char="o"/>
             </a:pPr>
             <a:r>
-              <a:rPr lang="pt-BR"/>
+              <a:rPr lang="pt-BR" dirty="0"/>
               <a:t>Esportivo.</a:t>
             </a:r>
           </a:p>
           <a:p>
-            <a:pPr indent="-228600" lvl="0" marL="457200" rtl="0">
-              <a:spcBef>
-                <a:spcPts val="0"/>
-              </a:spcBef>
+            <a:pPr marL="514350" lvl="0" indent="-285750" rtl="0">
+              <a:spcBef>
+                <a:spcPts val="0"/>
+              </a:spcBef>
+              <a:buFont typeface="Courier New" panose="02070309020205020404" pitchFamily="49" charset="0"/>
+              <a:buChar char="o"/>
             </a:pPr>
             <a:r>
-              <a:rPr lang="pt-BR"/>
+              <a:rPr lang="pt-BR" sz="1400" dirty="0"/>
               <a:t>O classificador usará a partir desses critérios:</a:t>
             </a:r>
           </a:p>
           <a:p>
-            <a:pPr indent="-228600" lvl="1" marL="914400" rtl="0">
-              <a:spcBef>
-                <a:spcPts val="0"/>
-              </a:spcBef>
+            <a:pPr marL="971550" lvl="1" indent="-285750" rtl="0">
+              <a:spcBef>
+                <a:spcPts val="0"/>
+              </a:spcBef>
+              <a:buFont typeface="Courier New" panose="02070309020205020404" pitchFamily="49" charset="0"/>
+              <a:buChar char="o"/>
             </a:pPr>
             <a:r>
-              <a:rPr lang="pt-BR"/>
+              <a:rPr lang="pt-BR" dirty="0"/>
               <a:t>Tamanho do porta mala;</a:t>
             </a:r>
           </a:p>
           <a:p>
-            <a:pPr indent="-228600" lvl="1" marL="914400" rtl="0">
-              <a:spcBef>
-                <a:spcPts val="0"/>
-              </a:spcBef>
+            <a:pPr marL="971550" lvl="1" indent="-285750" rtl="0">
+              <a:spcBef>
+                <a:spcPts val="0"/>
+              </a:spcBef>
+              <a:buFont typeface="Courier New" panose="02070309020205020404" pitchFamily="49" charset="0"/>
+              <a:buChar char="o"/>
             </a:pPr>
             <a:r>
-              <a:rPr lang="pt-BR"/>
+              <a:rPr lang="pt-BR" dirty="0"/>
               <a:t>Altura do veiculo.</a:t>
             </a:r>
           </a:p>
           <a:p>
-            <a:pPr indent="-228600" lvl="0" marL="457200">
-              <a:spcBef>
-                <a:spcPts val="0"/>
-              </a:spcBef>
+            <a:pPr marL="514350" lvl="0" indent="-285750">
+              <a:spcBef>
+                <a:spcPts val="0"/>
+              </a:spcBef>
+              <a:buFont typeface="Courier New" panose="02070309020205020404" pitchFamily="49" charset="0"/>
+              <a:buChar char="o"/>
             </a:pPr>
             <a:r>
-              <a:rPr lang="pt-BR"/>
-              <a:t>O classificador que será usado no código a seguir é o leave-one-out.</a:t>
+              <a:rPr lang="pt-BR" sz="1400" dirty="0"/>
+              <a:t>O classificador que será usado no código a seguir é o </a:t>
+            </a:r>
+            <a:r>
+              <a:rPr lang="pt-BR" sz="1400" dirty="0" err="1"/>
+              <a:t>leave</a:t>
+            </a:r>
+            <a:r>
+              <a:rPr lang="pt-BR" sz="1400" dirty="0"/>
+              <a:t>-</a:t>
+            </a:r>
+            <a:r>
+              <a:rPr lang="pt-BR" sz="1400" dirty="0" err="1"/>
+              <a:t>one</a:t>
+            </a:r>
+            <a:r>
+              <a:rPr lang="pt-BR" sz="1400" dirty="0"/>
+              <a:t>-out.</a:t>
             </a:r>
           </a:p>
         </p:txBody>
@@ -5337,11 +5702,11 @@
 </file>
 
 <file path=ppt/slides/slide4.xml><?xml version="1.0" encoding="utf-8"?>
-<p:sld xmlns:a="http://schemas.openxmlformats.org/drawingml/2006/main" xmlns:r="http://schemas.openxmlformats.org/officeDocument/2006/relationships" xmlns:mc="http://schemas.openxmlformats.org/markup-compatibility/2006" xmlns:mv="urn:schemas-microsoft-com:mac:vml" xmlns:p="http://schemas.openxmlformats.org/presentationml/2006/main" xmlns:c="http://schemas.openxmlformats.org/drawingml/2006/chart" xmlns:dgm="http://schemas.openxmlformats.org/drawingml/2006/diagram" xmlns:o="urn:schemas-microsoft-com:office:office" xmlns:v="urn:schemas-microsoft-com:vml" xmlns:pvml="urn:schemas-microsoft-com:office:powerpoint" xmlns:com="http://schemas.openxmlformats.org/drawingml/2006/compatibility" xmlns:p14="http://schemas.microsoft.com/office/powerpoint/2010/main">
+<p:sld xmlns:a="http://schemas.openxmlformats.org/drawingml/2006/main" xmlns:r="http://schemas.openxmlformats.org/officeDocument/2006/relationships" xmlns:p="http://schemas.openxmlformats.org/presentationml/2006/main">
   <p:cSld>
     <p:spTree>
       <p:nvGrpSpPr>
-        <p:cNvPr id="83" name="Shape 83"/>
+        <p:cNvPr id="1" name="Shape 83"/>
         <p:cNvGrpSpPr/>
         <p:nvPr/>
       </p:nvGrpSpPr>
@@ -5356,7 +5721,9 @@
       <p:sp>
         <p:nvSpPr>
           <p:cNvPr id="84" name="Shape 84"/>
-          <p:cNvSpPr txBox="1"/>
+          <p:cNvSpPr txBox="1">
+            <a:spLocks noGrp="1"/>
+          </p:cNvSpPr>
           <p:nvPr>
             <p:ph type="title"/>
           </p:nvPr>
@@ -5371,7 +5738,7 @@
           </a:prstGeom>
         </p:spPr>
         <p:txBody>
-          <a:bodyPr anchorCtr="0" anchor="t" bIns="91425" lIns="91425" rIns="91425" tIns="91425">
+          <a:bodyPr lIns="91425" tIns="91425" rIns="91425" bIns="91425" anchor="t" anchorCtr="0">
             <a:noAutofit/>
           </a:bodyPr>
           <a:lstStyle/>
@@ -5401,11 +5768,11 @@
 </file>
 
 <file path=ppt/slides/slide5.xml><?xml version="1.0" encoding="utf-8"?>
-<p:sld xmlns:a="http://schemas.openxmlformats.org/drawingml/2006/main" xmlns:r="http://schemas.openxmlformats.org/officeDocument/2006/relationships" xmlns:mc="http://schemas.openxmlformats.org/markup-compatibility/2006" xmlns:mv="urn:schemas-microsoft-com:mac:vml" xmlns:p="http://schemas.openxmlformats.org/presentationml/2006/main" xmlns:c="http://schemas.openxmlformats.org/drawingml/2006/chart" xmlns:dgm="http://schemas.openxmlformats.org/drawingml/2006/diagram" xmlns:o="urn:schemas-microsoft-com:office:office" xmlns:v="urn:schemas-microsoft-com:vml" xmlns:pvml="urn:schemas-microsoft-com:office:powerpoint" xmlns:com="http://schemas.openxmlformats.org/drawingml/2006/compatibility" xmlns:p14="http://schemas.microsoft.com/office/powerpoint/2010/main">
+<p:sld xmlns:a="http://schemas.openxmlformats.org/drawingml/2006/main" xmlns:r="http://schemas.openxmlformats.org/officeDocument/2006/relationships" xmlns:p="http://schemas.openxmlformats.org/presentationml/2006/main">
   <p:cSld>
     <p:spTree>
       <p:nvGrpSpPr>
-        <p:cNvPr id="88" name="Shape 88"/>
+        <p:cNvPr id="1" name="Shape 88"/>
         <p:cNvGrpSpPr/>
         <p:nvPr/>
       </p:nvGrpSpPr>
@@ -5420,7 +5787,9 @@
       <p:sp>
         <p:nvSpPr>
           <p:cNvPr id="89" name="Shape 89"/>
-          <p:cNvSpPr txBox="1"/>
+          <p:cNvSpPr txBox="1">
+            <a:spLocks noGrp="1"/>
+          </p:cNvSpPr>
           <p:nvPr>
             <p:ph type="title"/>
           </p:nvPr>
@@ -5435,7 +5804,7 @@
           </a:prstGeom>
         </p:spPr>
         <p:txBody>
-          <a:bodyPr anchorCtr="0" anchor="t" bIns="91425" lIns="91425" rIns="91425" tIns="91425">
+          <a:bodyPr lIns="91425" tIns="91425" rIns="91425" bIns="91425" anchor="t" anchorCtr="0">
             <a:noAutofit/>
           </a:bodyPr>
           <a:lstStyle/>
@@ -5577,11 +5946,11 @@
 </file>
 
 <file path=ppt/slides/slide6.xml><?xml version="1.0" encoding="utf-8"?>
-<p:sld xmlns:a="http://schemas.openxmlformats.org/drawingml/2006/main" xmlns:r="http://schemas.openxmlformats.org/officeDocument/2006/relationships" xmlns:mc="http://schemas.openxmlformats.org/markup-compatibility/2006" xmlns:mv="urn:schemas-microsoft-com:mac:vml" xmlns:p="http://schemas.openxmlformats.org/presentationml/2006/main" xmlns:c="http://schemas.openxmlformats.org/drawingml/2006/chart" xmlns:dgm="http://schemas.openxmlformats.org/drawingml/2006/diagram" xmlns:o="urn:schemas-microsoft-com:office:office" xmlns:v="urn:schemas-microsoft-com:vml" xmlns:pvml="urn:schemas-microsoft-com:office:powerpoint" xmlns:com="http://schemas.openxmlformats.org/drawingml/2006/compatibility" xmlns:p14="http://schemas.microsoft.com/office/powerpoint/2010/main">
+<p:sld xmlns:a="http://schemas.openxmlformats.org/drawingml/2006/main" xmlns:r="http://schemas.openxmlformats.org/officeDocument/2006/relationships" xmlns:p="http://schemas.openxmlformats.org/presentationml/2006/main">
   <p:cSld>
     <p:spTree>
       <p:nvGrpSpPr>
-        <p:cNvPr id="97" name="Shape 97"/>
+        <p:cNvPr id="1" name="Shape 97"/>
         <p:cNvGrpSpPr/>
         <p:nvPr/>
       </p:nvGrpSpPr>
@@ -5596,7 +5965,9 @@
       <p:sp>
         <p:nvSpPr>
           <p:cNvPr id="98" name="Shape 98"/>
-          <p:cNvSpPr txBox="1"/>
+          <p:cNvSpPr txBox="1">
+            <a:spLocks noGrp="1"/>
+          </p:cNvSpPr>
           <p:nvPr>
             <p:ph type="title"/>
           </p:nvPr>
@@ -5611,7 +5982,7 @@
           </a:prstGeom>
         </p:spPr>
         <p:txBody>
-          <a:bodyPr anchorCtr="0" anchor="t" bIns="91425" lIns="91425" rIns="91425" tIns="91425">
+          <a:bodyPr lIns="91425" tIns="91425" rIns="91425" bIns="91425" anchor="t" anchorCtr="0">
             <a:noAutofit/>
           </a:bodyPr>
           <a:lstStyle/>
@@ -5669,11 +6040,11 @@
 </file>
 
 <file path=ppt/slides/slide7.xml><?xml version="1.0" encoding="utf-8"?>
-<p:sld xmlns:a="http://schemas.openxmlformats.org/drawingml/2006/main" xmlns:r="http://schemas.openxmlformats.org/officeDocument/2006/relationships" xmlns:mc="http://schemas.openxmlformats.org/markup-compatibility/2006" xmlns:mv="urn:schemas-microsoft-com:mac:vml" xmlns:p="http://schemas.openxmlformats.org/presentationml/2006/main" xmlns:c="http://schemas.openxmlformats.org/drawingml/2006/chart" xmlns:dgm="http://schemas.openxmlformats.org/drawingml/2006/diagram" xmlns:o="urn:schemas-microsoft-com:office:office" xmlns:v="urn:schemas-microsoft-com:vml" xmlns:pvml="urn:schemas-microsoft-com:office:powerpoint" xmlns:com="http://schemas.openxmlformats.org/drawingml/2006/compatibility" xmlns:p14="http://schemas.microsoft.com/office/powerpoint/2010/main">
+<p:sld xmlns:a="http://schemas.openxmlformats.org/drawingml/2006/main" xmlns:r="http://schemas.openxmlformats.org/officeDocument/2006/relationships" xmlns:p="http://schemas.openxmlformats.org/presentationml/2006/main">
   <p:cSld>
     <p:spTree>
       <p:nvGrpSpPr>
-        <p:cNvPr id="103" name="Shape 103"/>
+        <p:cNvPr id="1" name="Shape 103"/>
         <p:cNvGrpSpPr/>
         <p:nvPr/>
       </p:nvGrpSpPr>
@@ -5688,7 +6059,9 @@
       <p:sp>
         <p:nvSpPr>
           <p:cNvPr id="104" name="Shape 104"/>
-          <p:cNvSpPr txBox="1"/>
+          <p:cNvSpPr txBox="1">
+            <a:spLocks noGrp="1"/>
+          </p:cNvSpPr>
           <p:nvPr>
             <p:ph type="title"/>
           </p:nvPr>
@@ -5703,7 +6076,7 @@
           </a:prstGeom>
         </p:spPr>
         <p:txBody>
-          <a:bodyPr anchorCtr="0" anchor="t" bIns="91425" lIns="91425" rIns="91425" tIns="91425">
+          <a:bodyPr lIns="91425" tIns="91425" rIns="91425" bIns="91425" anchor="t" anchorCtr="0">
             <a:noAutofit/>
           </a:bodyPr>
           <a:lstStyle/>
@@ -5724,9 +6097,11 @@
       <p:sp>
         <p:nvSpPr>
           <p:cNvPr id="105" name="Shape 105"/>
-          <p:cNvSpPr txBox="1"/>
+          <p:cNvSpPr txBox="1">
+            <a:spLocks noGrp="1"/>
+          </p:cNvSpPr>
           <p:nvPr>
-            <p:ph idx="1" type="body"/>
+            <p:ph type="body" idx="1"/>
           </p:nvPr>
         </p:nvSpPr>
         <p:spPr>
@@ -5739,7 +6114,7 @@
           </a:prstGeom>
         </p:spPr>
         <p:txBody>
-          <a:bodyPr anchorCtr="0" anchor="t" bIns="91425" lIns="91425" rIns="91425" tIns="91425">
+          <a:bodyPr lIns="91425" tIns="91425" rIns="91425" bIns="91425" anchor="t" anchorCtr="0">
             <a:noAutofit/>
           </a:bodyPr>
           <a:lstStyle/>
@@ -5793,7 +6168,288 @@
 </file>
 
 <file path=ppt/theme/theme1.xml><?xml version="1.0" encoding="utf-8"?>
-<a:theme xmlns:a="http://schemas.openxmlformats.org/drawingml/2006/main" xmlns:r="http://schemas.openxmlformats.org/officeDocument/2006/relationships" name="Custom Theme">
+<a:theme xmlns:a="http://schemas.openxmlformats.org/drawingml/2006/main" name="tropic">
+  <a:themeElements>
+    <a:clrScheme name="Tropic">
+      <a:dk1>
+        <a:srgbClr val="A1E8D9"/>
+      </a:dk1>
+      <a:lt1>
+        <a:srgbClr val="FFFFFF"/>
+      </a:lt1>
+      <a:dk2>
+        <a:srgbClr val="695D46"/>
+      </a:dk2>
+      <a:lt2>
+        <a:srgbClr val="B3A77D"/>
+      </a:lt2>
+      <a:accent1>
+        <a:srgbClr val="EF6C00"/>
+      </a:accent1>
+      <a:accent2>
+        <a:srgbClr val="009668"/>
+      </a:accent2>
+      <a:accent3>
+        <a:srgbClr val="4DB6AC"/>
+      </a:accent3>
+      <a:accent4>
+        <a:srgbClr val="FF9800"/>
+      </a:accent4>
+      <a:accent5>
+        <a:srgbClr val="CE93D8"/>
+      </a:accent5>
+      <a:accent6>
+        <a:srgbClr val="EEFF41"/>
+      </a:accent6>
+      <a:hlink>
+        <a:srgbClr val="CE93D8"/>
+      </a:hlink>
+      <a:folHlink>
+        <a:srgbClr val="CE93D8"/>
+      </a:folHlink>
+    </a:clrScheme>
+    <a:fontScheme name="Office">
+      <a:majorFont>
+        <a:latin typeface="Arial"/>
+        <a:ea typeface=""/>
+        <a:cs typeface=""/>
+        <a:font script="Jpan" typeface="ＭＳ Ｐゴシック"/>
+        <a:font script="Hang" typeface="맑은 고딕"/>
+        <a:font script="Hans" typeface="宋体"/>
+        <a:font script="Hant" typeface="新細明體"/>
+        <a:font script="Arab" typeface="Times New Roman"/>
+        <a:font script="Hebr" typeface="Times New Roman"/>
+        <a:font script="Thai" typeface="Angsana New"/>
+        <a:font script="Ethi" typeface="Nyala"/>
+        <a:font script="Beng" typeface="Vrinda"/>
+        <a:font script="Gujr" typeface="Shruti"/>
+        <a:font script="Khmr" typeface="MoolBoran"/>
+        <a:font script="Knda" typeface="Tunga"/>
+        <a:font script="Guru" typeface="Raavi"/>
+        <a:font script="Cans" typeface="Euphemia"/>
+        <a:font script="Cher" typeface="Plantagenet Cherokee"/>
+        <a:font script="Yiii" typeface="Microsoft Yi Baiti"/>
+        <a:font script="Tibt" typeface="Microsoft Himalaya"/>
+        <a:font script="Thaa" typeface="MV Boli"/>
+        <a:font script="Deva" typeface="Mangal"/>
+        <a:font script="Telu" typeface="Gautami"/>
+        <a:font script="Taml" typeface="Latha"/>
+        <a:font script="Syrc" typeface="Estrangelo Edessa"/>
+        <a:font script="Orya" typeface="Kalinga"/>
+        <a:font script="Mlym" typeface="Kartika"/>
+        <a:font script="Laoo" typeface="DokChampa"/>
+        <a:font script="Sinh" typeface="Iskoola Pota"/>
+        <a:font script="Mong" typeface="Mongolian Baiti"/>
+        <a:font script="Viet" typeface="Times New Roman"/>
+        <a:font script="Uigh" typeface="Microsoft Uighur"/>
+        <a:font script="Geor" typeface="Sylfaen"/>
+      </a:majorFont>
+      <a:minorFont>
+        <a:latin typeface="Arial"/>
+        <a:ea typeface=""/>
+        <a:cs typeface=""/>
+        <a:font script="Jpan" typeface="ＭＳ Ｐゴシック"/>
+        <a:font script="Hang" typeface="맑은 고딕"/>
+        <a:font script="Hans" typeface="宋体"/>
+        <a:font script="Hant" typeface="新細明體"/>
+        <a:font script="Arab" typeface="Arial"/>
+        <a:font script="Hebr" typeface="Arial"/>
+        <a:font script="Thai" typeface="Cordia New"/>
+        <a:font script="Ethi" typeface="Nyala"/>
+        <a:font script="Beng" typeface="Vrinda"/>
+        <a:font script="Gujr" typeface="Shruti"/>
+        <a:font script="Khmr" typeface="DaunPenh"/>
+        <a:font script="Knda" typeface="Tunga"/>
+        <a:font script="Guru" typeface="Raavi"/>
+        <a:font script="Cans" typeface="Euphemia"/>
+        <a:font script="Cher" typeface="Plantagenet Cherokee"/>
+        <a:font script="Yiii" typeface="Microsoft Yi Baiti"/>
+        <a:font script="Tibt" typeface="Microsoft Himalaya"/>
+        <a:font script="Thaa" typeface="MV Boli"/>
+        <a:font script="Deva" typeface="Mangal"/>
+        <a:font script="Telu" typeface="Gautami"/>
+        <a:font script="Taml" typeface="Latha"/>
+        <a:font script="Syrc" typeface="Estrangelo Edessa"/>
+        <a:font script="Orya" typeface="Kalinga"/>
+        <a:font script="Mlym" typeface="Kartika"/>
+        <a:font script="Laoo" typeface="DokChampa"/>
+        <a:font script="Sinh" typeface="Iskoola Pota"/>
+        <a:font script="Mong" typeface="Mongolian Baiti"/>
+        <a:font script="Viet" typeface="Arial"/>
+        <a:font script="Uigh" typeface="Microsoft Uighur"/>
+        <a:font script="Geor" typeface="Sylfaen"/>
+      </a:minorFont>
+    </a:fontScheme>
+    <a:fmtScheme name="Office">
+      <a:fillStyleLst>
+        <a:solidFill>
+          <a:schemeClr val="phClr"/>
+        </a:solidFill>
+        <a:gradFill rotWithShape="1">
+          <a:gsLst>
+            <a:gs pos="0">
+              <a:schemeClr val="phClr">
+                <a:tint val="50000"/>
+                <a:satMod val="300000"/>
+              </a:schemeClr>
+            </a:gs>
+            <a:gs pos="35000">
+              <a:schemeClr val="phClr">
+                <a:tint val="37000"/>
+                <a:satMod val="300000"/>
+              </a:schemeClr>
+            </a:gs>
+            <a:gs pos="100000">
+              <a:schemeClr val="phClr">
+                <a:tint val="15000"/>
+                <a:satMod val="350000"/>
+              </a:schemeClr>
+            </a:gs>
+          </a:gsLst>
+          <a:lin ang="16200000" scaled="1"/>
+        </a:gradFill>
+        <a:gradFill rotWithShape="1">
+          <a:gsLst>
+            <a:gs pos="0">
+              <a:schemeClr val="phClr">
+                <a:tint val="100000"/>
+                <a:shade val="100000"/>
+                <a:satMod val="130000"/>
+              </a:schemeClr>
+            </a:gs>
+            <a:gs pos="100000">
+              <a:schemeClr val="phClr">
+                <a:tint val="50000"/>
+                <a:shade val="100000"/>
+                <a:satMod val="350000"/>
+              </a:schemeClr>
+            </a:gs>
+          </a:gsLst>
+          <a:lin ang="16200000" scaled="0"/>
+        </a:gradFill>
+      </a:fillStyleLst>
+      <a:lnStyleLst>
+        <a:ln w="9525" cap="flat" cmpd="sng" algn="ctr">
+          <a:solidFill>
+            <a:schemeClr val="phClr">
+              <a:shade val="95000"/>
+              <a:satMod val="105000"/>
+            </a:schemeClr>
+          </a:solidFill>
+          <a:prstDash val="solid"/>
+        </a:ln>
+        <a:ln w="25400" cap="flat" cmpd="sng" algn="ctr">
+          <a:solidFill>
+            <a:schemeClr val="phClr"/>
+          </a:solidFill>
+          <a:prstDash val="solid"/>
+        </a:ln>
+        <a:ln w="38100" cap="flat" cmpd="sng" algn="ctr">
+          <a:solidFill>
+            <a:schemeClr val="phClr"/>
+          </a:solidFill>
+          <a:prstDash val="solid"/>
+        </a:ln>
+      </a:lnStyleLst>
+      <a:effectStyleLst>
+        <a:effectStyle>
+          <a:effectLst>
+            <a:outerShdw blurRad="40000" dist="20000" dir="5400000" rotWithShape="0">
+              <a:srgbClr val="000000">
+                <a:alpha val="38000"/>
+              </a:srgbClr>
+            </a:outerShdw>
+          </a:effectLst>
+        </a:effectStyle>
+        <a:effectStyle>
+          <a:effectLst>
+            <a:outerShdw blurRad="40000" dist="23000" dir="5400000" rotWithShape="0">
+              <a:srgbClr val="000000">
+                <a:alpha val="35000"/>
+              </a:srgbClr>
+            </a:outerShdw>
+          </a:effectLst>
+        </a:effectStyle>
+        <a:effectStyle>
+          <a:effectLst>
+            <a:outerShdw blurRad="40000" dist="23000" dir="5400000" rotWithShape="0">
+              <a:srgbClr val="000000">
+                <a:alpha val="35000"/>
+              </a:srgbClr>
+            </a:outerShdw>
+          </a:effectLst>
+          <a:scene3d>
+            <a:camera prst="orthographicFront">
+              <a:rot lat="0" lon="0" rev="0"/>
+            </a:camera>
+            <a:lightRig rig="threePt" dir="t">
+              <a:rot lat="0" lon="0" rev="1200000"/>
+            </a:lightRig>
+          </a:scene3d>
+          <a:sp3d>
+            <a:bevelT w="63500" h="25400"/>
+          </a:sp3d>
+        </a:effectStyle>
+      </a:effectStyleLst>
+      <a:bgFillStyleLst>
+        <a:solidFill>
+          <a:schemeClr val="phClr"/>
+        </a:solidFill>
+        <a:gradFill rotWithShape="1">
+          <a:gsLst>
+            <a:gs pos="0">
+              <a:schemeClr val="phClr">
+                <a:tint val="40000"/>
+                <a:satMod val="350000"/>
+              </a:schemeClr>
+            </a:gs>
+            <a:gs pos="40000">
+              <a:schemeClr val="phClr">
+                <a:tint val="45000"/>
+                <a:shade val="99000"/>
+                <a:satMod val="350000"/>
+              </a:schemeClr>
+            </a:gs>
+            <a:gs pos="100000">
+              <a:schemeClr val="phClr">
+                <a:shade val="20000"/>
+                <a:satMod val="255000"/>
+              </a:schemeClr>
+            </a:gs>
+          </a:gsLst>
+          <a:path path="circle">
+            <a:fillToRect l="50000" t="-80000" r="50000" b="180000"/>
+          </a:path>
+        </a:gradFill>
+        <a:gradFill rotWithShape="1">
+          <a:gsLst>
+            <a:gs pos="0">
+              <a:schemeClr val="phClr">
+                <a:tint val="80000"/>
+                <a:satMod val="300000"/>
+              </a:schemeClr>
+            </a:gs>
+            <a:gs pos="100000">
+              <a:schemeClr val="phClr">
+                <a:shade val="30000"/>
+                <a:satMod val="200000"/>
+              </a:schemeClr>
+            </a:gs>
+          </a:gsLst>
+          <a:path path="circle">
+            <a:fillToRect l="50000" t="50000" r="50000" b="50000"/>
+          </a:path>
+        </a:gradFill>
+      </a:bgFillStyleLst>
+    </a:fmtScheme>
+  </a:themeElements>
+  <a:objectDefaults/>
+  <a:extraClrSchemeLst/>
+</a:theme>
+</file>
+
+<file path=ppt/theme/theme2.xml><?xml version="1.0" encoding="utf-8"?>
+<a:theme xmlns:a="http://schemas.openxmlformats.org/drawingml/2006/main" name="Custom Theme">
   <a:themeElements>
     <a:clrScheme name="Default">
       <a:dk1>
@@ -6068,284 +6724,7 @@
       </a:bgFillStyleLst>
     </a:fmtScheme>
   </a:themeElements>
-</a:theme>
-</file>
-
-<file path=ppt/theme/theme2.xml><?xml version="1.0" encoding="utf-8"?>
-<a:theme xmlns:a="http://schemas.openxmlformats.org/drawingml/2006/main" xmlns:r="http://schemas.openxmlformats.org/officeDocument/2006/relationships" name="tropic">
-  <a:themeElements>
-    <a:clrScheme name="Tropic">
-      <a:dk1>
-        <a:srgbClr val="A1E8D9"/>
-      </a:dk1>
-      <a:lt1>
-        <a:srgbClr val="FFFFFF"/>
-      </a:lt1>
-      <a:dk2>
-        <a:srgbClr val="695D46"/>
-      </a:dk2>
-      <a:lt2>
-        <a:srgbClr val="B3A77D"/>
-      </a:lt2>
-      <a:accent1>
-        <a:srgbClr val="EF6C00"/>
-      </a:accent1>
-      <a:accent2>
-        <a:srgbClr val="009668"/>
-      </a:accent2>
-      <a:accent3>
-        <a:srgbClr val="4DB6AC"/>
-      </a:accent3>
-      <a:accent4>
-        <a:srgbClr val="FF9800"/>
-      </a:accent4>
-      <a:accent5>
-        <a:srgbClr val="CE93D8"/>
-      </a:accent5>
-      <a:accent6>
-        <a:srgbClr val="EEFF41"/>
-      </a:accent6>
-      <a:hlink>
-        <a:srgbClr val="CE93D8"/>
-      </a:hlink>
-      <a:folHlink>
-        <a:srgbClr val="CE93D8"/>
-      </a:folHlink>
-    </a:clrScheme>
-    <a:fontScheme name="Office">
-      <a:majorFont>
-        <a:latin typeface="Arial"/>
-        <a:ea typeface=""/>
-        <a:cs typeface=""/>
-        <a:font script="Jpan" typeface="ＭＳ Ｐゴシック"/>
-        <a:font script="Hang" typeface="맑은 고딕"/>
-        <a:font script="Hans" typeface="宋体"/>
-        <a:font script="Hant" typeface="新細明體"/>
-        <a:font script="Arab" typeface="Times New Roman"/>
-        <a:font script="Hebr" typeface="Times New Roman"/>
-        <a:font script="Thai" typeface="Angsana New"/>
-        <a:font script="Ethi" typeface="Nyala"/>
-        <a:font script="Beng" typeface="Vrinda"/>
-        <a:font script="Gujr" typeface="Shruti"/>
-        <a:font script="Khmr" typeface="MoolBoran"/>
-        <a:font script="Knda" typeface="Tunga"/>
-        <a:font script="Guru" typeface="Raavi"/>
-        <a:font script="Cans" typeface="Euphemia"/>
-        <a:font script="Cher" typeface="Plantagenet Cherokee"/>
-        <a:font script="Yiii" typeface="Microsoft Yi Baiti"/>
-        <a:font script="Tibt" typeface="Microsoft Himalaya"/>
-        <a:font script="Thaa" typeface="MV Boli"/>
-        <a:font script="Deva" typeface="Mangal"/>
-        <a:font script="Telu" typeface="Gautami"/>
-        <a:font script="Taml" typeface="Latha"/>
-        <a:font script="Syrc" typeface="Estrangelo Edessa"/>
-        <a:font script="Orya" typeface="Kalinga"/>
-        <a:font script="Mlym" typeface="Kartika"/>
-        <a:font script="Laoo" typeface="DokChampa"/>
-        <a:font script="Sinh" typeface="Iskoola Pota"/>
-        <a:font script="Mong" typeface="Mongolian Baiti"/>
-        <a:font script="Viet" typeface="Times New Roman"/>
-        <a:font script="Uigh" typeface="Microsoft Uighur"/>
-        <a:font script="Geor" typeface="Sylfaen"/>
-      </a:majorFont>
-      <a:minorFont>
-        <a:latin typeface="Arial"/>
-        <a:ea typeface=""/>
-        <a:cs typeface=""/>
-        <a:font script="Jpan" typeface="ＭＳ Ｐゴシック"/>
-        <a:font script="Hang" typeface="맑은 고딕"/>
-        <a:font script="Hans" typeface="宋体"/>
-        <a:font script="Hant" typeface="新細明體"/>
-        <a:font script="Arab" typeface="Arial"/>
-        <a:font script="Hebr" typeface="Arial"/>
-        <a:font script="Thai" typeface="Cordia New"/>
-        <a:font script="Ethi" typeface="Nyala"/>
-        <a:font script="Beng" typeface="Vrinda"/>
-        <a:font script="Gujr" typeface="Shruti"/>
-        <a:font script="Khmr" typeface="DaunPenh"/>
-        <a:font script="Knda" typeface="Tunga"/>
-        <a:font script="Guru" typeface="Raavi"/>
-        <a:font script="Cans" typeface="Euphemia"/>
-        <a:font script="Cher" typeface="Plantagenet Cherokee"/>
-        <a:font script="Yiii" typeface="Microsoft Yi Baiti"/>
-        <a:font script="Tibt" typeface="Microsoft Himalaya"/>
-        <a:font script="Thaa" typeface="MV Boli"/>
-        <a:font script="Deva" typeface="Mangal"/>
-        <a:font script="Telu" typeface="Gautami"/>
-        <a:font script="Taml" typeface="Latha"/>
-        <a:font script="Syrc" typeface="Estrangelo Edessa"/>
-        <a:font script="Orya" typeface="Kalinga"/>
-        <a:font script="Mlym" typeface="Kartika"/>
-        <a:font script="Laoo" typeface="DokChampa"/>
-        <a:font script="Sinh" typeface="Iskoola Pota"/>
-        <a:font script="Mong" typeface="Mongolian Baiti"/>
-        <a:font script="Viet" typeface="Arial"/>
-        <a:font script="Uigh" typeface="Microsoft Uighur"/>
-        <a:font script="Geor" typeface="Sylfaen"/>
-      </a:minorFont>
-    </a:fontScheme>
-    <a:fmtScheme name="Office">
-      <a:fillStyleLst>
-        <a:solidFill>
-          <a:schemeClr val="phClr"/>
-        </a:solidFill>
-        <a:gradFill rotWithShape="1">
-          <a:gsLst>
-            <a:gs pos="0">
-              <a:schemeClr val="phClr">
-                <a:tint val="50000"/>
-                <a:satMod val="300000"/>
-              </a:schemeClr>
-            </a:gs>
-            <a:gs pos="35000">
-              <a:schemeClr val="phClr">
-                <a:tint val="37000"/>
-                <a:satMod val="300000"/>
-              </a:schemeClr>
-            </a:gs>
-            <a:gs pos="100000">
-              <a:schemeClr val="phClr">
-                <a:tint val="15000"/>
-                <a:satMod val="350000"/>
-              </a:schemeClr>
-            </a:gs>
-          </a:gsLst>
-          <a:lin ang="16200000" scaled="1"/>
-        </a:gradFill>
-        <a:gradFill rotWithShape="1">
-          <a:gsLst>
-            <a:gs pos="0">
-              <a:schemeClr val="phClr">
-                <a:tint val="100000"/>
-                <a:shade val="100000"/>
-                <a:satMod val="130000"/>
-              </a:schemeClr>
-            </a:gs>
-            <a:gs pos="100000">
-              <a:schemeClr val="phClr">
-                <a:tint val="50000"/>
-                <a:shade val="100000"/>
-                <a:satMod val="350000"/>
-              </a:schemeClr>
-            </a:gs>
-          </a:gsLst>
-          <a:lin ang="16200000" scaled="0"/>
-        </a:gradFill>
-      </a:fillStyleLst>
-      <a:lnStyleLst>
-        <a:ln w="9525" cap="flat" cmpd="sng" algn="ctr">
-          <a:solidFill>
-            <a:schemeClr val="phClr">
-              <a:shade val="95000"/>
-              <a:satMod val="105000"/>
-            </a:schemeClr>
-          </a:solidFill>
-          <a:prstDash val="solid"/>
-        </a:ln>
-        <a:ln w="25400" cap="flat" cmpd="sng" algn="ctr">
-          <a:solidFill>
-            <a:schemeClr val="phClr"/>
-          </a:solidFill>
-          <a:prstDash val="solid"/>
-        </a:ln>
-        <a:ln w="38100" cap="flat" cmpd="sng" algn="ctr">
-          <a:solidFill>
-            <a:schemeClr val="phClr"/>
-          </a:solidFill>
-          <a:prstDash val="solid"/>
-        </a:ln>
-      </a:lnStyleLst>
-      <a:effectStyleLst>
-        <a:effectStyle>
-          <a:effectLst>
-            <a:outerShdw blurRad="40000" dist="20000" dir="5400000" rotWithShape="0">
-              <a:srgbClr val="000000">
-                <a:alpha val="38000"/>
-              </a:srgbClr>
-            </a:outerShdw>
-          </a:effectLst>
-        </a:effectStyle>
-        <a:effectStyle>
-          <a:effectLst>
-            <a:outerShdw blurRad="40000" dist="23000" dir="5400000" rotWithShape="0">
-              <a:srgbClr val="000000">
-                <a:alpha val="35000"/>
-              </a:srgbClr>
-            </a:outerShdw>
-          </a:effectLst>
-        </a:effectStyle>
-        <a:effectStyle>
-          <a:effectLst>
-            <a:outerShdw blurRad="40000" dist="23000" dir="5400000" rotWithShape="0">
-              <a:srgbClr val="000000">
-                <a:alpha val="35000"/>
-              </a:srgbClr>
-            </a:outerShdw>
-          </a:effectLst>
-          <a:scene3d>
-            <a:camera prst="orthographicFront">
-              <a:rot lat="0" lon="0" rev="0"/>
-            </a:camera>
-            <a:lightRig rig="threePt" dir="t">
-              <a:rot lat="0" lon="0" rev="1200000"/>
-            </a:lightRig>
-          </a:scene3d>
-          <a:sp3d>
-            <a:bevelT w="63500" h="25400"/>
-          </a:sp3d>
-        </a:effectStyle>
-      </a:effectStyleLst>
-      <a:bgFillStyleLst>
-        <a:solidFill>
-          <a:schemeClr val="phClr"/>
-        </a:solidFill>
-        <a:gradFill rotWithShape="1">
-          <a:gsLst>
-            <a:gs pos="0">
-              <a:schemeClr val="phClr">
-                <a:tint val="40000"/>
-                <a:satMod val="350000"/>
-              </a:schemeClr>
-            </a:gs>
-            <a:gs pos="40000">
-              <a:schemeClr val="phClr">
-                <a:tint val="45000"/>
-                <a:shade val="99000"/>
-                <a:satMod val="350000"/>
-              </a:schemeClr>
-            </a:gs>
-            <a:gs pos="100000">
-              <a:schemeClr val="phClr">
-                <a:shade val="20000"/>
-                <a:satMod val="255000"/>
-              </a:schemeClr>
-            </a:gs>
-          </a:gsLst>
-          <a:path path="circle">
-            <a:fillToRect l="50000" t="-80000" r="50000" b="180000"/>
-          </a:path>
-        </a:gradFill>
-        <a:gradFill rotWithShape="1">
-          <a:gsLst>
-            <a:gs pos="0">
-              <a:schemeClr val="phClr">
-                <a:tint val="80000"/>
-                <a:satMod val="300000"/>
-              </a:schemeClr>
-            </a:gs>
-            <a:gs pos="100000">
-              <a:schemeClr val="phClr">
-                <a:shade val="30000"/>
-                <a:satMod val="200000"/>
-              </a:schemeClr>
-            </a:gs>
-          </a:gsLst>
-          <a:path path="circle">
-            <a:fillToRect l="50000" t="50000" r="50000" b="50000"/>
-          </a:path>
-        </a:gradFill>
-      </a:bgFillStyleLst>
-    </a:fmtScheme>
-  </a:themeElements>
+  <a:objectDefaults/>
+  <a:extraClrSchemeLst/>
 </a:theme>
 </file>
--- a/Trabalho IA.pptx
+++ b/Trabalho IA.pptx
@@ -5,7 +5,7 @@
     <p:sldMasterId id="2147483659" r:id="rId1"/>
   </p:sldMasterIdLst>
   <p:notesMasterIdLst>
-    <p:notesMasterId r:id="rId9"/>
+    <p:notesMasterId r:id="rId10"/>
   </p:notesMasterIdLst>
   <p:sldIdLst>
     <p:sldId id="256" r:id="rId2"/>
@@ -15,21 +15,22 @@
     <p:sldId id="260" r:id="rId6"/>
     <p:sldId id="261" r:id="rId7"/>
     <p:sldId id="262" r:id="rId8"/>
+    <p:sldId id="263" r:id="rId9"/>
   </p:sldIdLst>
   <p:sldSz cx="9144000" cy="5143500" type="screen16x9"/>
   <p:notesSz cx="6858000" cy="9144000"/>
   <p:embeddedFontLst>
     <p:embeddedFont>
       <p:font typeface="PT Sans Narrow" panose="020B0604020202020204" charset="0"/>
-      <p:regular r:id="rId10"/>
-      <p:bold r:id="rId11"/>
+      <p:regular r:id="rId11"/>
+      <p:bold r:id="rId12"/>
     </p:embeddedFont>
     <p:embeddedFont>
       <p:font typeface="Open Sans" panose="020B0604020202020204" charset="0"/>
-      <p:regular r:id="rId12"/>
-      <p:bold r:id="rId13"/>
-      <p:italic r:id="rId14"/>
-      <p:boldItalic r:id="rId15"/>
+      <p:regular r:id="rId13"/>
+      <p:bold r:id="rId14"/>
+      <p:italic r:id="rId15"/>
+      <p:boldItalic r:id="rId16"/>
     </p:embeddedFont>
   </p:embeddedFontLst>
   <p:defaultTextStyle>
@@ -234,6 +235,11 @@
       </a:defRPr>
     </a:lvl9pPr>
   </p:defaultTextStyle>
+  <p:extLst>
+    <p:ext uri="{EFAFB233-063F-42B5-8137-9DF3F51BA10A}">
+      <p15:sldGuideLst xmlns:p15="http://schemas.microsoft.com/office/powerpoint/2012/main"/>
+    </p:ext>
+  </p:extLst>
 </p:presentation>
 </file>
 
@@ -5268,7 +5274,7 @@
               <a:buNone/>
             </a:pPr>
             <a:r>
-              <a:rPr lang="pt-BR"/>
+              <a:rPr lang="pt-BR" dirty="0"/>
               <a:t>Gabriel José</a:t>
             </a:r>
           </a:p>
@@ -5280,7 +5286,7 @@
               <a:buNone/>
             </a:pPr>
             <a:r>
-              <a:rPr lang="pt-BR"/>
+              <a:rPr lang="pt-BR" dirty="0"/>
               <a:t>Roberto Hiroshi</a:t>
             </a:r>
           </a:p>
@@ -5294,6 +5300,13 @@
   <p:transition spd="slow">
     <p:fade/>
   </p:transition>
+  <p:timing>
+    <p:tnLst>
+      <p:par>
+        <p:cTn id="1" dur="indefinite" restart="never" nodeType="tmRoot"/>
+      </p:par>
+    </p:tnLst>
+  </p:timing>
 </p:sld>
 </file>
 
@@ -5473,6 +5486,13 @@
   <p:transition spd="slow">
     <p:fade/>
   </p:transition>
+  <p:timing>
+    <p:tnLst>
+      <p:par>
+        <p:cTn id="1" dur="indefinite" restart="never" nodeType="tmRoot"/>
+      </p:par>
+    </p:tnLst>
+  </p:timing>
 </p:sld>
 </file>
 
@@ -6164,6 +6184,88 @@
   <p:transition spd="slow">
     <p:fade/>
   </p:transition>
+</p:sld>
+</file>
+
+<file path=ppt/slides/slide8.xml><?xml version="1.0" encoding="utf-8"?>
+<p:sld xmlns:a="http://schemas.openxmlformats.org/drawingml/2006/main" xmlns:r="http://schemas.openxmlformats.org/officeDocument/2006/relationships" xmlns:p="http://schemas.openxmlformats.org/presentationml/2006/main">
+  <p:cSld>
+    <p:spTree>
+      <p:nvGrpSpPr>
+        <p:cNvPr id="1" name=""/>
+        <p:cNvGrpSpPr/>
+        <p:nvPr/>
+      </p:nvGrpSpPr>
+      <p:grpSpPr>
+        <a:xfrm>
+          <a:off x="0" y="0"/>
+          <a:ext cx="0" cy="0"/>
+          <a:chOff x="0" y="0"/>
+          <a:chExt cx="0" cy="0"/>
+        </a:xfrm>
+      </p:grpSpPr>
+      <p:sp>
+        <p:nvSpPr>
+          <p:cNvPr id="2" name="Título 1"/>
+          <p:cNvSpPr>
+            <a:spLocks noGrp="1"/>
+          </p:cNvSpPr>
+          <p:nvPr>
+            <p:ph type="title"/>
+          </p:nvPr>
+        </p:nvSpPr>
+        <p:spPr/>
+        <p:txBody>
+          <a:bodyPr/>
+          <a:lstStyle/>
+          <a:p>
+            <a:r>
+              <a:rPr lang="pt-BR" dirty="0" smtClean="0"/>
+              <a:t>Link do Projeto</a:t>
+            </a:r>
+            <a:endParaRPr lang="pt-BR" dirty="0"/>
+          </a:p>
+        </p:txBody>
+      </p:sp>
+      <p:sp>
+        <p:nvSpPr>
+          <p:cNvPr id="3" name="Espaço Reservado para Texto 2"/>
+          <p:cNvSpPr>
+            <a:spLocks noGrp="1"/>
+          </p:cNvSpPr>
+          <p:nvPr>
+            <p:ph type="body" idx="1"/>
+          </p:nvPr>
+        </p:nvSpPr>
+        <p:spPr/>
+        <p:txBody>
+          <a:bodyPr/>
+          <a:lstStyle/>
+          <a:p>
+            <a:pPr marL="285750" indent="-285750">
+              <a:buFont typeface="Courier New" panose="02070309020205020404" pitchFamily="49" charset="0"/>
+              <a:buChar char="o"/>
+            </a:pPr>
+            <a:r>
+              <a:rPr lang="pt-BR" dirty="0">
+                <a:hlinkClick r:id="rId2"/>
+              </a:rPr>
+              <a:t>https://github.com/bieljose/Trabalho-Ia</a:t>
+            </a:r>
+            <a:endParaRPr lang="pt-BR" dirty="0"/>
+          </a:p>
+        </p:txBody>
+      </p:sp>
+    </p:spTree>
+    <p:extLst>
+      <p:ext uri="{BB962C8B-B14F-4D97-AF65-F5344CB8AC3E}">
+        <p14:creationId xmlns:p14="http://schemas.microsoft.com/office/powerpoint/2010/main" val="1402849303"/>
+      </p:ext>
+    </p:extLst>
+  </p:cSld>
+  <p:clrMapOvr>
+    <a:masterClrMapping/>
+  </p:clrMapOvr>
 </p:sld>
 </file>
 
